--- a/Documents/Poster.pptx
+++ b/Documents/Poster.pptx
@@ -259,7 +259,7 @@
           <a:p>
             <a:fld id="{5C2E7E8A-10A9-4D57-BC13-88523FE88ACA}" type="datetimeFigureOut">
               <a:rPr lang="ko-KR" altLang="en-US" smtClean="0"/>
-              <a:t>2021-10-14</a:t>
+              <a:t>2021-10-18</a:t>
             </a:fld>
             <a:endParaRPr lang="ko-KR" altLang="en-US"/>
           </a:p>
@@ -457,7 +457,7 @@
           <a:p>
             <a:fld id="{5C2E7E8A-10A9-4D57-BC13-88523FE88ACA}" type="datetimeFigureOut">
               <a:rPr lang="ko-KR" altLang="en-US" smtClean="0"/>
-              <a:t>2021-10-14</a:t>
+              <a:t>2021-10-18</a:t>
             </a:fld>
             <a:endParaRPr lang="ko-KR" altLang="en-US"/>
           </a:p>
@@ -665,7 +665,7 @@
           <a:p>
             <a:fld id="{5C2E7E8A-10A9-4D57-BC13-88523FE88ACA}" type="datetimeFigureOut">
               <a:rPr lang="ko-KR" altLang="en-US" smtClean="0"/>
-              <a:t>2021-10-14</a:t>
+              <a:t>2021-10-18</a:t>
             </a:fld>
             <a:endParaRPr lang="ko-KR" altLang="en-US"/>
           </a:p>
@@ -863,7 +863,7 @@
           <a:p>
             <a:fld id="{5C2E7E8A-10A9-4D57-BC13-88523FE88ACA}" type="datetimeFigureOut">
               <a:rPr lang="ko-KR" altLang="en-US" smtClean="0"/>
-              <a:t>2021-10-14</a:t>
+              <a:t>2021-10-18</a:t>
             </a:fld>
             <a:endParaRPr lang="ko-KR" altLang="en-US"/>
           </a:p>
@@ -1138,7 +1138,7 @@
           <a:p>
             <a:fld id="{5C2E7E8A-10A9-4D57-BC13-88523FE88ACA}" type="datetimeFigureOut">
               <a:rPr lang="ko-KR" altLang="en-US" smtClean="0"/>
-              <a:t>2021-10-14</a:t>
+              <a:t>2021-10-18</a:t>
             </a:fld>
             <a:endParaRPr lang="ko-KR" altLang="en-US"/>
           </a:p>
@@ -1403,7 +1403,7 @@
           <a:p>
             <a:fld id="{5C2E7E8A-10A9-4D57-BC13-88523FE88ACA}" type="datetimeFigureOut">
               <a:rPr lang="ko-KR" altLang="en-US" smtClean="0"/>
-              <a:t>2021-10-14</a:t>
+              <a:t>2021-10-18</a:t>
             </a:fld>
             <a:endParaRPr lang="ko-KR" altLang="en-US"/>
           </a:p>
@@ -1815,7 +1815,7 @@
           <a:p>
             <a:fld id="{5C2E7E8A-10A9-4D57-BC13-88523FE88ACA}" type="datetimeFigureOut">
               <a:rPr lang="ko-KR" altLang="en-US" smtClean="0"/>
-              <a:t>2021-10-14</a:t>
+              <a:t>2021-10-18</a:t>
             </a:fld>
             <a:endParaRPr lang="ko-KR" altLang="en-US"/>
           </a:p>
@@ -1979,7 +1979,7 @@
           <a:p>
             <a:fld id="{5C2E7E8A-10A9-4D57-BC13-88523FE88ACA}" type="datetimeFigureOut">
               <a:rPr lang="ko-KR" altLang="en-US" smtClean="0"/>
-              <a:t>2021-10-14</a:t>
+              <a:t>2021-10-18</a:t>
             </a:fld>
             <a:endParaRPr lang="ko-KR" altLang="en-US"/>
           </a:p>
@@ -2229,7 +2229,7 @@
           <a:p>
             <a:fld id="{5C2E7E8A-10A9-4D57-BC13-88523FE88ACA}" type="datetimeFigureOut">
               <a:rPr lang="ko-KR" altLang="en-US" smtClean="0"/>
-              <a:t>2021-10-14</a:t>
+              <a:t>2021-10-18</a:t>
             </a:fld>
             <a:endParaRPr lang="ko-KR" altLang="en-US"/>
           </a:p>
@@ -2540,7 +2540,7 @@
           <a:p>
             <a:fld id="{5C2E7E8A-10A9-4D57-BC13-88523FE88ACA}" type="datetimeFigureOut">
               <a:rPr lang="ko-KR" altLang="en-US" smtClean="0"/>
-              <a:t>2021-10-14</a:t>
+              <a:t>2021-10-18</a:t>
             </a:fld>
             <a:endParaRPr lang="ko-KR" altLang="en-US"/>
           </a:p>
@@ -2828,7 +2828,7 @@
           <a:p>
             <a:fld id="{5C2E7E8A-10A9-4D57-BC13-88523FE88ACA}" type="datetimeFigureOut">
               <a:rPr lang="ko-KR" altLang="en-US" smtClean="0"/>
-              <a:t>2021-10-14</a:t>
+              <a:t>2021-10-18</a:t>
             </a:fld>
             <a:endParaRPr lang="ko-KR" altLang="en-US"/>
           </a:p>
@@ -3069,7 +3069,7 @@
           <a:p>
             <a:fld id="{5C2E7E8A-10A9-4D57-BC13-88523FE88ACA}" type="datetimeFigureOut">
               <a:rPr lang="ko-KR" altLang="en-US" smtClean="0"/>
-              <a:t>2021-10-14</a:t>
+              <a:t>2021-10-18</a:t>
             </a:fld>
             <a:endParaRPr lang="ko-KR" altLang="en-US"/>
           </a:p>
@@ -3500,7 +3500,7 @@
         </p:nvSpPr>
         <p:spPr>
           <a:xfrm>
-            <a:off x="1324896" y="18979987"/>
+            <a:off x="1351246" y="19026046"/>
             <a:ext cx="18711587" cy="10064294"/>
           </a:xfrm>
           <a:prstGeom prst="rect">
@@ -4912,232 +4912,179 @@
           </p:style>
         </p:cxnSp>
       </p:grpSp>
-      <p:grpSp>
-        <p:nvGrpSpPr>
-          <p:cNvPr id="76" name="그룹 75">
-            <a:extLst>
-              <a:ext uri="{FF2B5EF4-FFF2-40B4-BE49-F238E27FC236}">
-                <a16:creationId xmlns:a16="http://schemas.microsoft.com/office/drawing/2014/main" id="{0254F583-D3FF-4C36-AF3B-5B3BB604DA6D}"/>
-              </a:ext>
-            </a:extLst>
-          </p:cNvPr>
-          <p:cNvGrpSpPr/>
+      <p:sp>
+        <p:nvSpPr>
+          <p:cNvPr id="77" name="TextBox 76">
+            <a:extLst>
+              <a:ext uri="{FF2B5EF4-FFF2-40B4-BE49-F238E27FC236}">
+                <a16:creationId xmlns:a16="http://schemas.microsoft.com/office/drawing/2014/main" id="{76C4E84B-00A2-431F-94E6-C9D69FAEA69E}"/>
+              </a:ext>
+            </a:extLst>
+          </p:cNvPr>
+          <p:cNvSpPr txBox="1"/>
           <p:nvPr/>
-        </p:nvGrpSpPr>
-        <p:grpSpPr>
+        </p:nvSpPr>
+        <p:spPr>
           <a:xfrm>
-            <a:off x="1295456" y="5570621"/>
-            <a:ext cx="8839200" cy="4262415"/>
-            <a:chOff x="1352550" y="3909868"/>
-            <a:chExt cx="8839200" cy="4262415"/>
+            <a:off x="1271693" y="5538785"/>
+            <a:ext cx="8839200" cy="3785652"/>
           </a:xfrm>
-        </p:grpSpPr>
-        <p:sp>
-          <p:nvSpPr>
-            <p:cNvPr id="77" name="TextBox 76">
-              <a:extLst>
-                <a:ext uri="{FF2B5EF4-FFF2-40B4-BE49-F238E27FC236}">
-                  <a16:creationId xmlns:a16="http://schemas.microsoft.com/office/drawing/2014/main" id="{76C4E84B-00A2-431F-94E6-C9D69FAEA69E}"/>
-                </a:ext>
-              </a:extLst>
-            </p:cNvPr>
-            <p:cNvSpPr txBox="1"/>
-            <p:nvPr/>
-          </p:nvSpPr>
-          <p:spPr>
-            <a:xfrm>
-              <a:off x="1352550" y="4386631"/>
-              <a:ext cx="8839200" cy="3785652"/>
-            </a:xfrm>
-            <a:prstGeom prst="rect">
-              <a:avLst/>
-            </a:prstGeom>
-            <a:solidFill>
-              <a:schemeClr val="bg1">
-                <a:alpha val="50000"/>
-              </a:schemeClr>
-            </a:solidFill>
-            <a:ln w="76200">
-              <a:solidFill>
-                <a:schemeClr val="bg1"/>
-              </a:solidFill>
-            </a:ln>
-          </p:spPr>
-          <p:txBody>
-            <a:bodyPr wrap="square" rtlCol="0">
-              <a:spAutoFit/>
-            </a:bodyPr>
-            <a:lstStyle/>
-            <a:p>
-              <a:r>
-                <a:rPr lang="ko-KR" altLang="en-US" sz="2400" b="1" dirty="0">
-                  <a:latin typeface="나눔스퀘어_ac" panose="020B0600000101010101" pitchFamily="50" charset="-127"/>
-                  <a:ea typeface="나눔스퀘어_ac" panose="020B0600000101010101" pitchFamily="50" charset="-127"/>
-                </a:rPr>
-                <a:t>서비스 개요</a:t>
-              </a:r>
-              <a:endParaRPr lang="en-US" altLang="ko-KR" sz="2400" b="1" dirty="0">
-                <a:latin typeface="나눔스퀘어_ac" panose="020B0600000101010101" pitchFamily="50" charset="-127"/>
-                <a:ea typeface="나눔스퀘어_ac" panose="020B0600000101010101" pitchFamily="50" charset="-127"/>
-              </a:endParaRPr>
-            </a:p>
-            <a:p>
-              <a:pPr marL="457200" indent="-457200">
-                <a:buFontTx/>
-                <a:buChar char="-"/>
-              </a:pPr>
-              <a:r>
-                <a:rPr lang="ko-KR" altLang="en-US" sz="2400" dirty="0">
-                  <a:latin typeface="나눔스퀘어_ac" panose="020B0600000101010101" pitchFamily="50" charset="-127"/>
-                  <a:ea typeface="나눔스퀘어_ac" panose="020B0600000101010101" pitchFamily="50" charset="-127"/>
-                </a:rPr>
-                <a:t>시각장애인을 위한 상품명을 소리로 읽어주는 서비스</a:t>
-              </a:r>
-              <a:endParaRPr lang="en-US" altLang="ko-KR" sz="2400" dirty="0">
-                <a:latin typeface="나눔스퀘어_ac" panose="020B0600000101010101" pitchFamily="50" charset="-127"/>
-                <a:ea typeface="나눔스퀘어_ac" panose="020B0600000101010101" pitchFamily="50" charset="-127"/>
-              </a:endParaRPr>
-            </a:p>
-            <a:p>
-              <a:endParaRPr lang="en-US" altLang="ko-KR" sz="2400" dirty="0">
-                <a:latin typeface="나눔스퀘어_ac" panose="020B0600000101010101" pitchFamily="50" charset="-127"/>
-                <a:ea typeface="나눔스퀘어_ac" panose="020B0600000101010101" pitchFamily="50" charset="-127"/>
-              </a:endParaRPr>
-            </a:p>
-            <a:p>
-              <a:r>
-                <a:rPr lang="ko-KR" altLang="en-US" sz="2400" b="1" dirty="0">
-                  <a:latin typeface="나눔스퀘어라운드 Bold" panose="020B0600000101010101" pitchFamily="50" charset="-127"/>
-                  <a:ea typeface="나눔스퀘어라운드 Bold" panose="020B0600000101010101" pitchFamily="50" charset="-127"/>
-                </a:rPr>
-                <a:t>문제 제기</a:t>
-              </a:r>
-              <a:endParaRPr lang="en-US" altLang="ko-KR" sz="2400" b="1" dirty="0">
-                <a:latin typeface="나눔스퀘어라운드 Bold" panose="020B0600000101010101" pitchFamily="50" charset="-127"/>
-                <a:ea typeface="나눔스퀘어라운드 Bold" panose="020B0600000101010101" pitchFamily="50" charset="-127"/>
-              </a:endParaRPr>
-            </a:p>
-            <a:p>
-              <a:pPr marL="457200" indent="-457200">
-                <a:buFontTx/>
-                <a:buChar char="-"/>
-              </a:pPr>
-              <a:r>
-                <a:rPr lang="ko-KR" altLang="en-US" sz="2400" dirty="0">
-                  <a:latin typeface="나눔스퀘어_ac" panose="020B0600000101010101" pitchFamily="50" charset="-127"/>
-                  <a:ea typeface="나눔스퀘어_ac" panose="020B0600000101010101" pitchFamily="50" charset="-127"/>
-                </a:rPr>
-                <a:t>시각장애인은 올바로 상품을 선택 할 수 없는 문제</a:t>
-              </a:r>
-              <a:r>
-                <a:rPr lang="en-US" altLang="ko-KR" sz="2400" dirty="0">
-                  <a:latin typeface="나눔스퀘어_ac" panose="020B0600000101010101" pitchFamily="50" charset="-127"/>
-                  <a:ea typeface="나눔스퀘어_ac" panose="020B0600000101010101" pitchFamily="50" charset="-127"/>
-                </a:rPr>
-                <a:t>   </a:t>
-              </a:r>
-            </a:p>
-            <a:p>
-              <a:pPr marL="457200" indent="-457200">
-                <a:buFontTx/>
-                <a:buChar char="-"/>
-              </a:pPr>
-              <a:r>
-                <a:rPr lang="ko-KR" altLang="en-US" sz="2400" dirty="0">
-                  <a:latin typeface="나눔스퀘어_ac" panose="020B0600000101010101" pitchFamily="50" charset="-127"/>
-                  <a:ea typeface="나눔스퀘어_ac" panose="020B0600000101010101" pitchFamily="50" charset="-127"/>
-                </a:rPr>
-                <a:t>기존의 점자표기 조차 올바로 되어 있지 않음</a:t>
-              </a:r>
-              <a:endParaRPr lang="en-US" altLang="ko-KR" sz="2400" dirty="0">
-                <a:latin typeface="나눔스퀘어_ac" panose="020B0600000101010101" pitchFamily="50" charset="-127"/>
-                <a:ea typeface="나눔스퀘어_ac" panose="020B0600000101010101" pitchFamily="50" charset="-127"/>
-              </a:endParaRPr>
-            </a:p>
-            <a:p>
-              <a:endParaRPr lang="en-US" altLang="ko-KR" sz="2400" dirty="0">
-                <a:latin typeface="나눔스퀘어_ac" panose="020B0600000101010101" pitchFamily="50" charset="-127"/>
-                <a:ea typeface="나눔스퀘어_ac" panose="020B0600000101010101" pitchFamily="50" charset="-127"/>
-              </a:endParaRPr>
-            </a:p>
-            <a:p>
-              <a:r>
-                <a:rPr lang="ko-KR" altLang="en-US" sz="2400" b="1" dirty="0">
-                  <a:latin typeface="나눔스퀘어_ac" panose="020B0600000101010101" pitchFamily="50" charset="-127"/>
-                  <a:ea typeface="나눔스퀘어_ac" panose="020B0600000101010101" pitchFamily="50" charset="-127"/>
-                </a:rPr>
-                <a:t>해결 방안</a:t>
-              </a:r>
-              <a:endParaRPr lang="en-US" altLang="ko-KR" sz="2400" b="1" dirty="0">
-                <a:latin typeface="나눔스퀘어_ac" panose="020B0600000101010101" pitchFamily="50" charset="-127"/>
-                <a:ea typeface="나눔스퀘어_ac" panose="020B0600000101010101" pitchFamily="50" charset="-127"/>
-              </a:endParaRPr>
-            </a:p>
-            <a:p>
-              <a:pPr marL="457200" indent="-457200">
-                <a:buFontTx/>
-                <a:buChar char="-"/>
-              </a:pPr>
-              <a:r>
-                <a:rPr lang="ko-KR" altLang="en-US" sz="2400" dirty="0">
-                  <a:latin typeface="나눔스퀘어_ac" panose="020B0600000101010101" pitchFamily="50" charset="-127"/>
-                  <a:ea typeface="나눔스퀘어_ac" panose="020B0600000101010101" pitchFamily="50" charset="-127"/>
-                </a:rPr>
-                <a:t>모든 상품이 가지고 있는 바코드를 인식하여 상품명을 읽어주는 서비스 제공</a:t>
-              </a:r>
-              <a:endParaRPr lang="en-US" altLang="ko-KR" sz="2400" dirty="0">
-                <a:latin typeface="나눔스퀘어_ac" panose="020B0600000101010101" pitchFamily="50" charset="-127"/>
-                <a:ea typeface="나눔스퀘어_ac" panose="020B0600000101010101" pitchFamily="50" charset="-127"/>
-              </a:endParaRPr>
-            </a:p>
-          </p:txBody>
-        </p:sp>
-        <p:sp>
-          <p:nvSpPr>
-            <p:cNvPr id="78" name="TextBox 77">
-              <a:extLst>
-                <a:ext uri="{FF2B5EF4-FFF2-40B4-BE49-F238E27FC236}">
-                  <a16:creationId xmlns:a16="http://schemas.microsoft.com/office/drawing/2014/main" id="{4D8D323D-B7A7-49D5-B607-A560DF54E3D4}"/>
-                </a:ext>
-              </a:extLst>
-            </p:cNvPr>
-            <p:cNvSpPr txBox="1"/>
-            <p:nvPr/>
-          </p:nvSpPr>
-          <p:spPr>
-            <a:xfrm>
-              <a:off x="1352550" y="3909868"/>
-              <a:ext cx="745717" cy="461665"/>
-            </a:xfrm>
-            <a:prstGeom prst="rect">
-              <a:avLst/>
-            </a:prstGeom>
+          <a:prstGeom prst="rect">
+            <a:avLst/>
+          </a:prstGeom>
+          <a:solidFill>
+            <a:schemeClr val="bg1">
+              <a:alpha val="50000"/>
+            </a:schemeClr>
+          </a:solidFill>
+          <a:ln w="76200">
             <a:solidFill>
               <a:schemeClr val="bg1"/>
             </a:solidFill>
-            <a:ln w="76200">
-              <a:solidFill>
-                <a:schemeClr val="bg1"/>
-              </a:solidFill>
-            </a:ln>
-          </p:spPr>
-          <p:txBody>
-            <a:bodyPr wrap="none" rtlCol="0">
-              <a:spAutoFit/>
-            </a:bodyPr>
-            <a:lstStyle/>
-            <a:p>
-              <a:r>
-                <a:rPr lang="ko-KR" altLang="en-US" sz="2400" b="1" dirty="0">
-                  <a:latin typeface="나눔스퀘어라운드 Bold" panose="020B0600000101010101" pitchFamily="50" charset="-127"/>
-                  <a:ea typeface="나눔스퀘어라운드 Bold" panose="020B0600000101010101" pitchFamily="50" charset="-127"/>
-                </a:rPr>
-                <a:t>개요</a:t>
-              </a:r>
-            </a:p>
-          </p:txBody>
-        </p:sp>
-      </p:grpSp>
+          </a:ln>
+        </p:spPr>
+        <p:txBody>
+          <a:bodyPr wrap="square" rtlCol="0">
+            <a:spAutoFit/>
+          </a:bodyPr>
+          <a:lstStyle/>
+          <a:p>
+            <a:r>
+              <a:rPr lang="ko-KR" altLang="en-US" sz="2400" b="1" dirty="0">
+                <a:latin typeface="나눔스퀘어_ac" panose="020B0600000101010101" pitchFamily="50" charset="-127"/>
+                <a:ea typeface="나눔스퀘어_ac" panose="020B0600000101010101" pitchFamily="50" charset="-127"/>
+              </a:rPr>
+              <a:t>서비스 개요</a:t>
+            </a:r>
+            <a:endParaRPr lang="en-US" altLang="ko-KR" sz="2400" b="1" dirty="0">
+              <a:latin typeface="나눔스퀘어_ac" panose="020B0600000101010101" pitchFamily="50" charset="-127"/>
+              <a:ea typeface="나눔스퀘어_ac" panose="020B0600000101010101" pitchFamily="50" charset="-127"/>
+            </a:endParaRPr>
+          </a:p>
+          <a:p>
+            <a:pPr marL="457200" indent="-457200">
+              <a:buFontTx/>
+              <a:buChar char="-"/>
+            </a:pPr>
+            <a:r>
+              <a:rPr lang="ko-KR" altLang="en-US" sz="2400" dirty="0">
+                <a:latin typeface="나눔스퀘어_ac" panose="020B0600000101010101" pitchFamily="50" charset="-127"/>
+                <a:ea typeface="나눔스퀘어_ac" panose="020B0600000101010101" pitchFamily="50" charset="-127"/>
+              </a:rPr>
+              <a:t>시각장애인을 위한 상품명을 소리로 읽어주는 서비스</a:t>
+            </a:r>
+            <a:endParaRPr lang="en-US" altLang="ko-KR" sz="2400" dirty="0">
+              <a:latin typeface="나눔스퀘어_ac" panose="020B0600000101010101" pitchFamily="50" charset="-127"/>
+              <a:ea typeface="나눔스퀘어_ac" panose="020B0600000101010101" pitchFamily="50" charset="-127"/>
+            </a:endParaRPr>
+          </a:p>
+          <a:p>
+            <a:endParaRPr lang="en-US" altLang="ko-KR" sz="2400" dirty="0">
+              <a:latin typeface="나눔스퀘어_ac" panose="020B0600000101010101" pitchFamily="50" charset="-127"/>
+              <a:ea typeface="나눔스퀘어_ac" panose="020B0600000101010101" pitchFamily="50" charset="-127"/>
+            </a:endParaRPr>
+          </a:p>
+          <a:p>
+            <a:r>
+              <a:rPr lang="ko-KR" altLang="en-US" sz="2400" b="1" dirty="0">
+                <a:latin typeface="나눔스퀘어라운드 Bold" panose="020B0600000101010101" pitchFamily="50" charset="-127"/>
+                <a:ea typeface="나눔스퀘어라운드 Bold" panose="020B0600000101010101" pitchFamily="50" charset="-127"/>
+              </a:rPr>
+              <a:t>문제 제기</a:t>
+            </a:r>
+            <a:endParaRPr lang="en-US" altLang="ko-KR" sz="2400" b="1" dirty="0">
+              <a:latin typeface="나눔스퀘어라운드 Bold" panose="020B0600000101010101" pitchFamily="50" charset="-127"/>
+              <a:ea typeface="나눔스퀘어라운드 Bold" panose="020B0600000101010101" pitchFamily="50" charset="-127"/>
+            </a:endParaRPr>
+          </a:p>
+          <a:p>
+            <a:pPr marL="457200" indent="-457200">
+              <a:buFontTx/>
+              <a:buChar char="-"/>
+            </a:pPr>
+            <a:r>
+              <a:rPr lang="ko-KR" altLang="en-US" sz="2400" dirty="0">
+                <a:latin typeface="나눔스퀘어_ac" panose="020B0600000101010101" pitchFamily="50" charset="-127"/>
+                <a:ea typeface="나눔스퀘어_ac" panose="020B0600000101010101" pitchFamily="50" charset="-127"/>
+              </a:rPr>
+              <a:t>시각장애인은 올바로 상품을 선택 할 수 없는 문제</a:t>
+            </a:r>
+            <a:r>
+              <a:rPr lang="en-US" altLang="ko-KR" sz="2400" dirty="0">
+                <a:latin typeface="나눔스퀘어_ac" panose="020B0600000101010101" pitchFamily="50" charset="-127"/>
+                <a:ea typeface="나눔스퀘어_ac" panose="020B0600000101010101" pitchFamily="50" charset="-127"/>
+              </a:rPr>
+              <a:t>   </a:t>
+            </a:r>
+          </a:p>
+          <a:p>
+            <a:pPr marL="457200" indent="-457200">
+              <a:buFontTx/>
+              <a:buChar char="-"/>
+            </a:pPr>
+            <a:r>
+              <a:rPr lang="ko-KR" altLang="en-US" sz="2400" dirty="0">
+                <a:latin typeface="나눔스퀘어_ac" panose="020B0600000101010101" pitchFamily="50" charset="-127"/>
+                <a:ea typeface="나눔스퀘어_ac" panose="020B0600000101010101" pitchFamily="50" charset="-127"/>
+              </a:rPr>
+              <a:t>기존의 점자표기 조차 올바로 되어 있지 않음</a:t>
+            </a:r>
+            <a:endParaRPr lang="en-US" altLang="ko-KR" sz="2400" dirty="0">
+              <a:latin typeface="나눔스퀘어_ac" panose="020B0600000101010101" pitchFamily="50" charset="-127"/>
+              <a:ea typeface="나눔스퀘어_ac" panose="020B0600000101010101" pitchFamily="50" charset="-127"/>
+            </a:endParaRPr>
+          </a:p>
+          <a:p>
+            <a:endParaRPr lang="en-US" altLang="ko-KR" sz="2400" dirty="0">
+              <a:latin typeface="나눔스퀘어_ac" panose="020B0600000101010101" pitchFamily="50" charset="-127"/>
+              <a:ea typeface="나눔스퀘어_ac" panose="020B0600000101010101" pitchFamily="50" charset="-127"/>
+            </a:endParaRPr>
+          </a:p>
+          <a:p>
+            <a:r>
+              <a:rPr lang="ko-KR" altLang="en-US" sz="2400" b="1" dirty="0">
+                <a:latin typeface="나눔스퀘어_ac" panose="020B0600000101010101" pitchFamily="50" charset="-127"/>
+                <a:ea typeface="나눔스퀘어_ac" panose="020B0600000101010101" pitchFamily="50" charset="-127"/>
+              </a:rPr>
+              <a:t>해결 방안</a:t>
+            </a:r>
+            <a:endParaRPr lang="en-US" altLang="ko-KR" sz="2400" b="1" dirty="0">
+              <a:latin typeface="나눔스퀘어_ac" panose="020B0600000101010101" pitchFamily="50" charset="-127"/>
+              <a:ea typeface="나눔스퀘어_ac" panose="020B0600000101010101" pitchFamily="50" charset="-127"/>
+            </a:endParaRPr>
+          </a:p>
+          <a:p>
+            <a:pPr marL="457200" indent="-457200">
+              <a:buFontTx/>
+              <a:buChar char="-"/>
+            </a:pPr>
+            <a:r>
+              <a:rPr lang="ko-KR" altLang="en-US" sz="2400" dirty="0">
+                <a:latin typeface="나눔스퀘어_ac" panose="020B0600000101010101" pitchFamily="50" charset="-127"/>
+                <a:ea typeface="나눔스퀘어_ac" panose="020B0600000101010101" pitchFamily="50" charset="-127"/>
+              </a:rPr>
+              <a:t>모든 상품이 가지고 있는 바코드를 인식하여</a:t>
+            </a:r>
+            <a:br>
+              <a:rPr lang="en-US" altLang="ko-KR" sz="2400" dirty="0">
+                <a:latin typeface="나눔스퀘어_ac" panose="020B0600000101010101" pitchFamily="50" charset="-127"/>
+                <a:ea typeface="나눔스퀘어_ac" panose="020B0600000101010101" pitchFamily="50" charset="-127"/>
+              </a:rPr>
+            </a:br>
+            <a:r>
+              <a:rPr lang="ko-KR" altLang="en-US" sz="2400" dirty="0">
+                <a:latin typeface="나눔스퀘어_ac" panose="020B0600000101010101" pitchFamily="50" charset="-127"/>
+                <a:ea typeface="나눔스퀘어_ac" panose="020B0600000101010101" pitchFamily="50" charset="-127"/>
+              </a:rPr>
+              <a:t>상품명을 읽어주는 서비스 제공</a:t>
+            </a:r>
+            <a:endParaRPr lang="en-US" altLang="ko-KR" sz="2400" dirty="0">
+              <a:latin typeface="나눔스퀘어_ac" panose="020B0600000101010101" pitchFamily="50" charset="-127"/>
+              <a:ea typeface="나눔스퀘어_ac" panose="020B0600000101010101" pitchFamily="50" charset="-127"/>
+            </a:endParaRPr>
+          </a:p>
+        </p:txBody>
+      </p:sp>
       <p:grpSp>
         <p:nvGrpSpPr>
           <p:cNvPr id="79" name="그룹 78">
@@ -5191,7 +5138,7 @@
                   <a:latin typeface="나눔스퀘어라운드 Bold" panose="020B0600000101010101" pitchFamily="50" charset="-127"/>
                   <a:ea typeface="나눔스퀘어라운드 Bold" panose="020B0600000101010101" pitchFamily="50" charset="-127"/>
                 </a:rPr>
-                <a:t>서론</a:t>
+                <a:t>배경</a:t>
               </a:r>
             </a:p>
           </p:txBody>
@@ -5283,414 +5230,428 @@
           </p:style>
         </p:cxnSp>
       </p:grpSp>
-      <p:grpSp>
-        <p:nvGrpSpPr>
-          <p:cNvPr id="83" name="그룹 82">
-            <a:extLst>
-              <a:ext uri="{FF2B5EF4-FFF2-40B4-BE49-F238E27FC236}">
-                <a16:creationId xmlns:a16="http://schemas.microsoft.com/office/drawing/2014/main" id="{16CE18A7-B447-4794-9EBB-647E6DF5303E}"/>
-              </a:ext>
-            </a:extLst>
-          </p:cNvPr>
-          <p:cNvGrpSpPr/>
+      <p:sp>
+        <p:nvSpPr>
+          <p:cNvPr id="84" name="TextBox 83">
+            <a:extLst>
+              <a:ext uri="{FF2B5EF4-FFF2-40B4-BE49-F238E27FC236}">
+                <a16:creationId xmlns:a16="http://schemas.microsoft.com/office/drawing/2014/main" id="{A307B90A-CE4E-46E9-B025-30B552BDC870}"/>
+              </a:ext>
+            </a:extLst>
+          </p:cNvPr>
+          <p:cNvSpPr txBox="1"/>
           <p:nvPr/>
-        </p:nvGrpSpPr>
-        <p:grpSpPr>
+        </p:nvSpPr>
+        <p:spPr>
           <a:xfrm>
-            <a:off x="11159677" y="5582010"/>
-            <a:ext cx="8839200" cy="5370410"/>
-            <a:chOff x="1352550" y="3909868"/>
-            <a:chExt cx="8839200" cy="5370410"/>
+            <a:off x="11159677" y="5535033"/>
+            <a:ext cx="8839200" cy="4339650"/>
           </a:xfrm>
-        </p:grpSpPr>
-        <p:sp>
-          <p:nvSpPr>
-            <p:cNvPr id="84" name="TextBox 83">
-              <a:extLst>
-                <a:ext uri="{FF2B5EF4-FFF2-40B4-BE49-F238E27FC236}">
-                  <a16:creationId xmlns:a16="http://schemas.microsoft.com/office/drawing/2014/main" id="{A307B90A-CE4E-46E9-B025-30B552BDC870}"/>
-                </a:ext>
-              </a:extLst>
-            </p:cNvPr>
-            <p:cNvSpPr txBox="1"/>
-            <p:nvPr/>
-          </p:nvSpPr>
-          <p:spPr>
-            <a:xfrm>
-              <a:off x="1352550" y="4386631"/>
-              <a:ext cx="8839200" cy="4893647"/>
-            </a:xfrm>
-            <a:prstGeom prst="rect">
-              <a:avLst/>
-            </a:prstGeom>
-            <a:solidFill>
-              <a:schemeClr val="bg1">
-                <a:alpha val="50000"/>
-              </a:schemeClr>
-            </a:solidFill>
-            <a:ln w="76200">
-              <a:solidFill>
-                <a:schemeClr val="bg1"/>
-              </a:solidFill>
-            </a:ln>
-          </p:spPr>
-          <p:txBody>
-            <a:bodyPr wrap="square" rtlCol="0">
-              <a:spAutoFit/>
-            </a:bodyPr>
-            <a:lstStyle/>
-            <a:p>
-              <a:r>
-                <a:rPr lang="en-US" altLang="ko-KR" sz="2400" b="1" dirty="0">
-                  <a:latin typeface="나눔스퀘어_ac" panose="020B0600000101010101" pitchFamily="50" charset="-127"/>
-                  <a:ea typeface="나눔스퀘어_ac" panose="020B0600000101010101" pitchFamily="50" charset="-127"/>
-                </a:rPr>
-                <a:t> AWS</a:t>
-              </a:r>
-            </a:p>
-            <a:p>
-              <a:r>
-                <a:rPr lang="ko-KR" altLang="en-US" sz="2400" dirty="0">
-                  <a:latin typeface="나눔스퀘어_ac" panose="020B0600000101010101" pitchFamily="50" charset="-127"/>
-                  <a:ea typeface="나눔스퀘어_ac" panose="020B0600000101010101" pitchFamily="50" charset="-127"/>
-                </a:rPr>
-                <a:t>아마존에서 제공하는 클라우드 컴퓨팅 서비스를 사용하여 서버를 구성한다</a:t>
-              </a:r>
-              <a:r>
-                <a:rPr lang="en-US" altLang="ko-KR" sz="2400" dirty="0">
-                  <a:latin typeface="나눔스퀘어_ac" panose="020B0600000101010101" pitchFamily="50" charset="-127"/>
-                  <a:ea typeface="나눔스퀘어_ac" panose="020B0600000101010101" pitchFamily="50" charset="-127"/>
-                </a:rPr>
-                <a:t>. EC2</a:t>
-              </a:r>
-              <a:r>
-                <a:rPr lang="ko-KR" altLang="en-US" sz="2400" dirty="0">
-                  <a:latin typeface="나눔스퀘어_ac" panose="020B0600000101010101" pitchFamily="50" charset="-127"/>
-                  <a:ea typeface="나눔스퀘어_ac" panose="020B0600000101010101" pitchFamily="50" charset="-127"/>
-                </a:rPr>
-                <a:t>로 클라우드 컴퓨팅 </a:t>
-              </a:r>
-              <a:r>
-                <a:rPr lang="en-US" altLang="ko-KR" sz="2400" dirty="0">
-                  <a:latin typeface="나눔스퀘어_ac" panose="020B0600000101010101" pitchFamily="50" charset="-127"/>
-                  <a:ea typeface="나눔스퀘어_ac" panose="020B0600000101010101" pitchFamily="50" charset="-127"/>
-                </a:rPr>
-                <a:t>, RDS</a:t>
-              </a:r>
-              <a:r>
-                <a:rPr lang="ko-KR" altLang="en-US" sz="2400" dirty="0">
-                  <a:latin typeface="나눔스퀘어_ac" panose="020B0600000101010101" pitchFamily="50" charset="-127"/>
-                  <a:ea typeface="나눔스퀘어_ac" panose="020B0600000101010101" pitchFamily="50" charset="-127"/>
-                </a:rPr>
-                <a:t>로 데이터베이스 사용하여 시스템을 구성하며 </a:t>
-              </a:r>
-              <a:r>
-                <a:rPr lang="en-US" altLang="ko-KR" sz="2400" dirty="0">
-                  <a:latin typeface="나눔스퀘어_ac" panose="020B0600000101010101" pitchFamily="50" charset="-127"/>
-                  <a:ea typeface="나눔스퀘어_ac" panose="020B0600000101010101" pitchFamily="50" charset="-127"/>
-                </a:rPr>
-                <a:t>Node.js</a:t>
-              </a:r>
-              <a:r>
-                <a:rPr lang="ko-KR" altLang="en-US" sz="2400" dirty="0">
-                  <a:latin typeface="나눔스퀘어_ac" panose="020B0600000101010101" pitchFamily="50" charset="-127"/>
-                  <a:ea typeface="나눔스퀘어_ac" panose="020B0600000101010101" pitchFamily="50" charset="-127"/>
-                </a:rPr>
-                <a:t>를 사용해 </a:t>
-              </a:r>
-              <a:r>
-                <a:rPr lang="en-US" altLang="ko-KR" sz="2400" dirty="0">
-                  <a:latin typeface="나눔스퀘어_ac" panose="020B0600000101010101" pitchFamily="50" charset="-127"/>
-                  <a:ea typeface="나눔스퀘어_ac" panose="020B0600000101010101" pitchFamily="50" charset="-127"/>
-                </a:rPr>
-                <a:t>Rest API</a:t>
-              </a:r>
-              <a:r>
-                <a:rPr lang="ko-KR" altLang="en-US" sz="2400" dirty="0">
-                  <a:latin typeface="나눔스퀘어_ac" panose="020B0600000101010101" pitchFamily="50" charset="-127"/>
-                  <a:ea typeface="나눔스퀘어_ac" panose="020B0600000101010101" pitchFamily="50" charset="-127"/>
-                </a:rPr>
-                <a:t>로 통신한다</a:t>
-              </a:r>
-              <a:r>
-                <a:rPr lang="en-US" altLang="ko-KR" sz="2400" dirty="0">
-                  <a:latin typeface="나눔스퀘어_ac" panose="020B0600000101010101" pitchFamily="50" charset="-127"/>
-                  <a:ea typeface="나눔스퀘어_ac" panose="020B0600000101010101" pitchFamily="50" charset="-127"/>
-                </a:rPr>
-                <a:t>. </a:t>
-              </a:r>
-            </a:p>
-            <a:p>
-              <a:endParaRPr lang="en-US" altLang="ko-KR" sz="2400" dirty="0">
-                <a:latin typeface="나눔스퀘어_ac" panose="020B0600000101010101" pitchFamily="50" charset="-127"/>
-                <a:ea typeface="나눔스퀘어_ac" panose="020B0600000101010101" pitchFamily="50" charset="-127"/>
-              </a:endParaRPr>
-            </a:p>
-            <a:p>
-              <a:r>
-                <a:rPr lang="en-US" altLang="ko-KR" sz="2400" b="1" dirty="0">
-                  <a:latin typeface="나눔스퀘어_ac" panose="020B0600000101010101" pitchFamily="50" charset="-127"/>
-                  <a:ea typeface="나눔스퀘어_ac" panose="020B0600000101010101" pitchFamily="50" charset="-127"/>
-                </a:rPr>
-                <a:t> </a:t>
-              </a:r>
-              <a:r>
-                <a:rPr lang="ko-KR" altLang="en-US" sz="2400" b="1" dirty="0">
-                  <a:latin typeface="나눔스퀘어_ac" panose="020B0600000101010101" pitchFamily="50" charset="-127"/>
-                  <a:ea typeface="나눔스퀘어_ac" panose="020B0600000101010101" pitchFamily="50" charset="-127"/>
-                </a:rPr>
-                <a:t>내부 로직</a:t>
-              </a:r>
-              <a:endParaRPr lang="en-US" altLang="ko-KR" sz="2400" b="1" dirty="0">
-                <a:latin typeface="나눔스퀘어_ac" panose="020B0600000101010101" pitchFamily="50" charset="-127"/>
-                <a:ea typeface="나눔스퀘어_ac" panose="020B0600000101010101" pitchFamily="50" charset="-127"/>
-              </a:endParaRPr>
-            </a:p>
-            <a:p>
-              <a:r>
-                <a:rPr lang="ko-KR" altLang="en-US" sz="2400" dirty="0">
-                  <a:latin typeface="나눔스퀘어_ac" panose="020B0600000101010101" pitchFamily="50" charset="-127"/>
-                  <a:ea typeface="나눔스퀘어_ac" panose="020B0600000101010101" pitchFamily="50" charset="-127"/>
-                </a:rPr>
-                <a:t>유저정보</a:t>
-              </a:r>
-              <a:r>
-                <a:rPr lang="en-US" altLang="ko-KR" sz="2400" dirty="0">
-                  <a:latin typeface="나눔스퀘어_ac" panose="020B0600000101010101" pitchFamily="50" charset="-127"/>
-                  <a:ea typeface="나눔스퀘어_ac" panose="020B0600000101010101" pitchFamily="50" charset="-127"/>
-                </a:rPr>
-                <a:t>, </a:t>
-              </a:r>
-              <a:r>
-                <a:rPr lang="ko-KR" altLang="en-US" sz="2400" dirty="0">
-                  <a:latin typeface="나눔스퀘어_ac" panose="020B0600000101010101" pitchFamily="50" charset="-127"/>
-                  <a:ea typeface="나눔스퀘어_ac" panose="020B0600000101010101" pitchFamily="50" charset="-127"/>
-                </a:rPr>
-                <a:t>바코드정보</a:t>
-              </a:r>
-              <a:r>
-                <a:rPr lang="en-US" altLang="ko-KR" sz="2400" dirty="0">
-                  <a:latin typeface="나눔스퀘어_ac" panose="020B0600000101010101" pitchFamily="50" charset="-127"/>
-                  <a:ea typeface="나눔스퀘어_ac" panose="020B0600000101010101" pitchFamily="50" charset="-127"/>
-                </a:rPr>
-                <a:t>, </a:t>
-              </a:r>
-              <a:r>
-                <a:rPr lang="ko-KR" altLang="en-US" sz="2400" dirty="0">
-                  <a:latin typeface="나눔스퀘어_ac" panose="020B0600000101010101" pitchFamily="50" charset="-127"/>
-                  <a:ea typeface="나눔스퀘어_ac" panose="020B0600000101010101" pitchFamily="50" charset="-127"/>
-                </a:rPr>
-                <a:t>바코드평가 정보</a:t>
-              </a:r>
-              <a:r>
-                <a:rPr lang="en-US" altLang="ko-KR" sz="2400" dirty="0">
-                  <a:latin typeface="나눔스퀘어_ac" panose="020B0600000101010101" pitchFamily="50" charset="-127"/>
-                  <a:ea typeface="나눔스퀘어_ac" panose="020B0600000101010101" pitchFamily="50" charset="-127"/>
-                </a:rPr>
-                <a:t> </a:t>
-              </a:r>
-              <a:r>
-                <a:rPr lang="ko-KR" altLang="en-US" sz="2400" dirty="0">
-                  <a:latin typeface="나눔스퀘어_ac" panose="020B0600000101010101" pitchFamily="50" charset="-127"/>
-                  <a:ea typeface="나눔스퀘어_ac" panose="020B0600000101010101" pitchFamily="50" charset="-127"/>
-                </a:rPr>
-                <a:t>등을 취합하여 유저에 대해 복합적으로 신뢰성을 판단하고 데이터를 자동으로 검증한다</a:t>
-              </a:r>
-              <a:r>
-                <a:rPr lang="en-US" altLang="ko-KR" sz="2400" dirty="0">
-                  <a:latin typeface="나눔스퀘어_ac" panose="020B0600000101010101" pitchFamily="50" charset="-127"/>
-                  <a:ea typeface="나눔스퀘어_ac" panose="020B0600000101010101" pitchFamily="50" charset="-127"/>
-                </a:rPr>
-                <a:t>. </a:t>
-              </a:r>
-              <a:r>
-                <a:rPr lang="ko-KR" altLang="en-US" sz="2400" dirty="0">
-                  <a:latin typeface="나눔스퀘어_ac" panose="020B0600000101010101" pitchFamily="50" charset="-127"/>
-                  <a:ea typeface="나눔스퀘어_ac" panose="020B0600000101010101" pitchFamily="50" charset="-127"/>
-                </a:rPr>
-                <a:t>바코드에 대한 질의가 발생했을 때</a:t>
-              </a:r>
-              <a:r>
-                <a:rPr lang="en-US" altLang="ko-KR" sz="2400" dirty="0">
-                  <a:latin typeface="나눔스퀘어_ac" panose="020B0600000101010101" pitchFamily="50" charset="-127"/>
-                  <a:ea typeface="나눔스퀘어_ac" panose="020B0600000101010101" pitchFamily="50" charset="-127"/>
-                </a:rPr>
-                <a:t>, </a:t>
-              </a:r>
-              <a:r>
-                <a:rPr lang="ko-KR" altLang="en-US" sz="2400" dirty="0">
-                  <a:latin typeface="나눔스퀘어_ac" panose="020B0600000101010101" pitchFamily="50" charset="-127"/>
-                  <a:ea typeface="나눔스퀘어_ac" panose="020B0600000101010101" pitchFamily="50" charset="-127"/>
-                </a:rPr>
-                <a:t>먼저 검증된 데이터를 전송하며</a:t>
-              </a:r>
-              <a:r>
-                <a:rPr lang="en-US" altLang="ko-KR" sz="2400" dirty="0">
-                  <a:latin typeface="나눔스퀘어_ac" panose="020B0600000101010101" pitchFamily="50" charset="-127"/>
-                  <a:ea typeface="나눔스퀘어_ac" panose="020B0600000101010101" pitchFamily="50" charset="-127"/>
-                </a:rPr>
-                <a:t>, </a:t>
-              </a:r>
-              <a:r>
-                <a:rPr lang="ko-KR" altLang="en-US" sz="2400" dirty="0">
-                  <a:latin typeface="나눔스퀘어_ac" panose="020B0600000101010101" pitchFamily="50" charset="-127"/>
-                  <a:ea typeface="나눔스퀘어_ac" panose="020B0600000101010101" pitchFamily="50" charset="-127"/>
-                </a:rPr>
-                <a:t>없을 시 비 검증 데이터를 전송하여 평가 받는다</a:t>
-              </a:r>
-              <a:r>
-                <a:rPr lang="en-US" altLang="ko-KR" sz="2400" dirty="0">
-                  <a:latin typeface="나눔스퀘어_ac" panose="020B0600000101010101" pitchFamily="50" charset="-127"/>
-                  <a:ea typeface="나눔스퀘어_ac" panose="020B0600000101010101" pitchFamily="50" charset="-127"/>
-                </a:rPr>
-                <a:t>.</a:t>
-              </a:r>
-            </a:p>
-            <a:p>
-              <a:r>
-                <a:rPr lang="ko-KR" altLang="en-US" sz="2400" b="1" dirty="0" err="1">
-                  <a:latin typeface="나눔스퀘어_ac" panose="020B0600000101010101" pitchFamily="50" charset="-127"/>
-                  <a:ea typeface="나눔스퀘어_ac" panose="020B0600000101010101" pitchFamily="50" charset="-127"/>
-                </a:rPr>
-                <a:t>크롤러</a:t>
-              </a:r>
-              <a:r>
-                <a:rPr lang="ko-KR" altLang="en-US" sz="2400" b="1" dirty="0">
-                  <a:latin typeface="나눔스퀘어_ac" panose="020B0600000101010101" pitchFamily="50" charset="-127"/>
-                  <a:ea typeface="나눔스퀘어_ac" panose="020B0600000101010101" pitchFamily="50" charset="-127"/>
-                </a:rPr>
-                <a:t> 및 외부 </a:t>
-              </a:r>
-              <a:r>
-                <a:rPr lang="en-US" altLang="ko-KR" sz="2400" b="1" dirty="0">
-                  <a:latin typeface="나눔스퀘어_ac" panose="020B0600000101010101" pitchFamily="50" charset="-127"/>
-                  <a:ea typeface="나눔스퀘어_ac" panose="020B0600000101010101" pitchFamily="50" charset="-127"/>
-                </a:rPr>
-                <a:t>API</a:t>
-              </a:r>
-              <a:r>
-                <a:rPr lang="ko-KR" altLang="en-US" sz="2400" dirty="0">
-                  <a:latin typeface="나눔스퀘어_ac" panose="020B0600000101010101" pitchFamily="50" charset="-127"/>
-                  <a:ea typeface="나눔스퀘어_ac" panose="020B0600000101010101" pitchFamily="50" charset="-127"/>
-                </a:rPr>
-                <a:t>를 사용하여 인터넷 </a:t>
-              </a:r>
-              <a:r>
-                <a:rPr lang="en-US" altLang="ko-KR" sz="2400" dirty="0">
-                  <a:latin typeface="나눔스퀘어_ac" panose="020B0600000101010101" pitchFamily="50" charset="-127"/>
-                  <a:ea typeface="나눔스퀘어_ac" panose="020B0600000101010101" pitchFamily="50" charset="-127"/>
-                </a:rPr>
-                <a:t>/ </a:t>
-              </a:r>
-              <a:r>
-                <a:rPr lang="ko-KR" altLang="en-US" sz="2400" dirty="0">
-                  <a:latin typeface="나눔스퀘어_ac" panose="020B0600000101010101" pitchFamily="50" charset="-127"/>
-                  <a:ea typeface="나눔스퀘어_ac" panose="020B0600000101010101" pitchFamily="50" charset="-127"/>
-                </a:rPr>
-                <a:t>외부 환경으로부터 미리 </a:t>
-              </a:r>
-              <a:r>
-                <a:rPr lang="ko-KR" altLang="en-US" sz="2400" dirty="0" err="1">
-                  <a:latin typeface="나눔스퀘어_ac" panose="020B0600000101010101" pitchFamily="50" charset="-127"/>
-                  <a:ea typeface="나눔스퀘어_ac" panose="020B0600000101010101" pitchFamily="50" charset="-127"/>
-                </a:rPr>
-                <a:t>제공되어있는</a:t>
-              </a:r>
-              <a:r>
-                <a:rPr lang="ko-KR" altLang="en-US" sz="2400" dirty="0">
-                  <a:latin typeface="나눔스퀘어_ac" panose="020B0600000101010101" pitchFamily="50" charset="-127"/>
-                  <a:ea typeface="나눔스퀘어_ac" panose="020B0600000101010101" pitchFamily="50" charset="-127"/>
-                </a:rPr>
-                <a:t> 데이터를 수집하며</a:t>
-              </a:r>
-              <a:r>
-                <a:rPr lang="en-US" altLang="ko-KR" sz="2400" dirty="0">
-                  <a:latin typeface="나눔스퀘어_ac" panose="020B0600000101010101" pitchFamily="50" charset="-127"/>
-                  <a:ea typeface="나눔스퀘어_ac" panose="020B0600000101010101" pitchFamily="50" charset="-127"/>
-                </a:rPr>
-                <a:t>, </a:t>
-              </a:r>
-              <a:r>
-                <a:rPr lang="ko-KR" altLang="en-US" sz="2400" dirty="0">
-                  <a:latin typeface="나눔스퀘어_ac" panose="020B0600000101010101" pitchFamily="50" charset="-127"/>
-                  <a:ea typeface="나눔스퀘어_ac" panose="020B0600000101010101" pitchFamily="50" charset="-127"/>
-                </a:rPr>
-                <a:t>이를 사용자에게 평가받아 서버 내 </a:t>
-              </a:r>
-              <a:r>
-                <a:rPr lang="en-US" altLang="ko-KR" sz="2400" dirty="0">
-                  <a:latin typeface="나눔스퀘어_ac" panose="020B0600000101010101" pitchFamily="50" charset="-127"/>
-                  <a:ea typeface="나눔스퀘어_ac" panose="020B0600000101010101" pitchFamily="50" charset="-127"/>
-                </a:rPr>
-                <a:t>DB</a:t>
-              </a:r>
-              <a:r>
-                <a:rPr lang="ko-KR" altLang="en-US" sz="2400" dirty="0">
-                  <a:latin typeface="나눔스퀘어_ac" panose="020B0600000101010101" pitchFamily="50" charset="-127"/>
-                  <a:ea typeface="나눔스퀘어_ac" panose="020B0600000101010101" pitchFamily="50" charset="-127"/>
-                </a:rPr>
-                <a:t>에 저장한다</a:t>
-              </a:r>
-              <a:r>
-                <a:rPr lang="en-US" altLang="ko-KR" sz="2400" dirty="0">
-                  <a:latin typeface="나눔스퀘어_ac" panose="020B0600000101010101" pitchFamily="50" charset="-127"/>
-                  <a:ea typeface="나눔스퀘어_ac" panose="020B0600000101010101" pitchFamily="50" charset="-127"/>
-                </a:rPr>
-                <a:t>.</a:t>
-              </a:r>
-              <a:endParaRPr lang="en-US" altLang="ko-KR" sz="2400" b="1" dirty="0">
-                <a:latin typeface="나눔스퀘어_ac" panose="020B0600000101010101" pitchFamily="50" charset="-127"/>
-                <a:ea typeface="나눔스퀘어_ac" panose="020B0600000101010101" pitchFamily="50" charset="-127"/>
-              </a:endParaRPr>
-            </a:p>
-          </p:txBody>
-        </p:sp>
-        <p:sp>
-          <p:nvSpPr>
-            <p:cNvPr id="85" name="TextBox 84">
-              <a:extLst>
-                <a:ext uri="{FF2B5EF4-FFF2-40B4-BE49-F238E27FC236}">
-                  <a16:creationId xmlns:a16="http://schemas.microsoft.com/office/drawing/2014/main" id="{D74ACAB9-263F-4D5E-ACDC-AC55C5E5AAEA}"/>
-                </a:ext>
-              </a:extLst>
-            </p:cNvPr>
-            <p:cNvSpPr txBox="1"/>
-            <p:nvPr/>
-          </p:nvSpPr>
-          <p:spPr>
-            <a:xfrm>
-              <a:off x="1352550" y="3909868"/>
-              <a:ext cx="745717" cy="461665"/>
-            </a:xfrm>
-            <a:prstGeom prst="rect">
-              <a:avLst/>
-            </a:prstGeom>
+          <a:prstGeom prst="rect">
+            <a:avLst/>
+          </a:prstGeom>
+          <a:solidFill>
+            <a:schemeClr val="bg1">
+              <a:alpha val="50000"/>
+            </a:schemeClr>
+          </a:solidFill>
+          <a:ln w="76200">
             <a:solidFill>
               <a:schemeClr val="bg1"/>
             </a:solidFill>
-            <a:ln w="76200">
-              <a:solidFill>
-                <a:schemeClr val="bg1"/>
-              </a:solidFill>
-            </a:ln>
-          </p:spPr>
-          <p:txBody>
-            <a:bodyPr wrap="none" rtlCol="0">
-              <a:spAutoFit/>
-            </a:bodyPr>
-            <a:lstStyle/>
-            <a:p>
-              <a:r>
-                <a:rPr lang="ko-KR" altLang="en-US" sz="2400" b="1" dirty="0">
-                  <a:latin typeface="나눔스퀘어라운드 Bold" panose="020B0600000101010101" pitchFamily="50" charset="-127"/>
-                  <a:ea typeface="나눔스퀘어라운드 Bold" panose="020B0600000101010101" pitchFamily="50" charset="-127"/>
-                </a:rPr>
-                <a:t>기능</a:t>
-              </a:r>
-            </a:p>
-          </p:txBody>
-        </p:sp>
-      </p:grpSp>
+          </a:ln>
+        </p:spPr>
+        <p:txBody>
+          <a:bodyPr wrap="square" rtlCol="0">
+            <a:spAutoFit/>
+          </a:bodyPr>
+          <a:lstStyle/>
+          <a:p>
+            <a:r>
+              <a:rPr lang="en-US" altLang="ko-KR" sz="2300" b="1" dirty="0">
+                <a:latin typeface="나눔스퀘어_ac" panose="020B0600000101010101" pitchFamily="50" charset="-127"/>
+                <a:ea typeface="나눔스퀘어_ac" panose="020B0600000101010101" pitchFamily="50" charset="-127"/>
+              </a:rPr>
+              <a:t> AWS</a:t>
+            </a:r>
+          </a:p>
+          <a:p>
+            <a:pPr marL="342900" indent="-342900">
+              <a:buFontTx/>
+              <a:buChar char="-"/>
+            </a:pPr>
+            <a:r>
+              <a:rPr lang="ko-KR" altLang="en-US" sz="2300" dirty="0">
+                <a:latin typeface="나눔스퀘어_ac" panose="020B0600000101010101" pitchFamily="50" charset="-127"/>
+                <a:ea typeface="나눔스퀘어_ac" panose="020B0600000101010101" pitchFamily="50" charset="-127"/>
+              </a:rPr>
+              <a:t>아마존에서 제공하는 클라우드 컴퓨팅 서비스</a:t>
+            </a:r>
+            <a:endParaRPr lang="en-US" altLang="ko-KR" sz="2300" dirty="0">
+              <a:latin typeface="나눔스퀘어_ac" panose="020B0600000101010101" pitchFamily="50" charset="-127"/>
+              <a:ea typeface="나눔스퀘어_ac" panose="020B0600000101010101" pitchFamily="50" charset="-127"/>
+            </a:endParaRPr>
+          </a:p>
+          <a:p>
+            <a:pPr marL="342900" indent="-342900">
+              <a:buFontTx/>
+              <a:buChar char="-"/>
+            </a:pPr>
+            <a:r>
+              <a:rPr lang="en-US" altLang="ko-KR" sz="2300" dirty="0">
+                <a:latin typeface="나눔스퀘어_ac" panose="020B0600000101010101" pitchFamily="50" charset="-127"/>
+                <a:ea typeface="나눔스퀘어_ac" panose="020B0600000101010101" pitchFamily="50" charset="-127"/>
+              </a:rPr>
+              <a:t>EC2</a:t>
+            </a:r>
+            <a:r>
+              <a:rPr lang="ko-KR" altLang="en-US" sz="2300" dirty="0">
+                <a:latin typeface="나눔스퀘어_ac" panose="020B0600000101010101" pitchFamily="50" charset="-127"/>
+                <a:ea typeface="나눔스퀘어_ac" panose="020B0600000101010101" pitchFamily="50" charset="-127"/>
+              </a:rPr>
+              <a:t>를 사용한 클라우드 컴퓨팅 </a:t>
+            </a:r>
+            <a:endParaRPr lang="en-US" altLang="ko-KR" sz="2300" dirty="0">
+              <a:latin typeface="나눔스퀘어_ac" panose="020B0600000101010101" pitchFamily="50" charset="-127"/>
+              <a:ea typeface="나눔스퀘어_ac" panose="020B0600000101010101" pitchFamily="50" charset="-127"/>
+            </a:endParaRPr>
+          </a:p>
+          <a:p>
+            <a:pPr marL="800100" lvl="1" indent="-342900">
+              <a:buFontTx/>
+              <a:buChar char="-"/>
+            </a:pPr>
+            <a:r>
+              <a:rPr lang="en-US" altLang="ko-KR" sz="2300" dirty="0">
+                <a:latin typeface="나눔스퀘어_ac" panose="020B0600000101010101" pitchFamily="50" charset="-127"/>
+                <a:ea typeface="나눔스퀘어_ac" panose="020B0600000101010101" pitchFamily="50" charset="-127"/>
+              </a:rPr>
+              <a:t>Node.js</a:t>
+            </a:r>
+            <a:r>
+              <a:rPr lang="ko-KR" altLang="en-US" sz="2300" dirty="0">
+                <a:latin typeface="나눔스퀘어_ac" panose="020B0600000101010101" pitchFamily="50" charset="-127"/>
+                <a:ea typeface="나눔스퀘어_ac" panose="020B0600000101010101" pitchFamily="50" charset="-127"/>
+              </a:rPr>
+              <a:t>를 서버로 사용</a:t>
+            </a:r>
+            <a:r>
+              <a:rPr lang="en-US" altLang="ko-KR" sz="2300" dirty="0">
+                <a:latin typeface="나눔스퀘어_ac" panose="020B0600000101010101" pitchFamily="50" charset="-127"/>
+                <a:ea typeface="나눔스퀘어_ac" panose="020B0600000101010101" pitchFamily="50" charset="-127"/>
+              </a:rPr>
+              <a:t>,</a:t>
+            </a:r>
+            <a:r>
+              <a:rPr lang="ko-KR" altLang="en-US" sz="2300" dirty="0">
+                <a:latin typeface="나눔스퀘어_ac" panose="020B0600000101010101" pitchFamily="50" charset="-127"/>
+                <a:ea typeface="나눔스퀘어_ac" panose="020B0600000101010101" pitchFamily="50" charset="-127"/>
+              </a:rPr>
+              <a:t> </a:t>
+            </a:r>
+            <a:r>
+              <a:rPr lang="en-US" altLang="ko-KR" sz="2300" dirty="0">
+                <a:latin typeface="나눔스퀘어_ac" panose="020B0600000101010101" pitchFamily="50" charset="-127"/>
+                <a:ea typeface="나눔스퀘어_ac" panose="020B0600000101010101" pitchFamily="50" charset="-127"/>
+              </a:rPr>
+              <a:t>Rest API</a:t>
+            </a:r>
+            <a:r>
+              <a:rPr lang="ko-KR" altLang="en-US" sz="2300" dirty="0">
+                <a:latin typeface="나눔스퀘어_ac" panose="020B0600000101010101" pitchFamily="50" charset="-127"/>
+                <a:ea typeface="나눔스퀘어_ac" panose="020B0600000101010101" pitchFamily="50" charset="-127"/>
+              </a:rPr>
+              <a:t>로 통신</a:t>
+            </a:r>
+            <a:endParaRPr lang="en-US" altLang="ko-KR" sz="2300" dirty="0">
+              <a:latin typeface="나눔스퀘어_ac" panose="020B0600000101010101" pitchFamily="50" charset="-127"/>
+              <a:ea typeface="나눔스퀘어_ac" panose="020B0600000101010101" pitchFamily="50" charset="-127"/>
+            </a:endParaRPr>
+          </a:p>
+          <a:p>
+            <a:pPr marL="342900" indent="-342900">
+              <a:buFontTx/>
+              <a:buChar char="-"/>
+            </a:pPr>
+            <a:r>
+              <a:rPr lang="en-US" altLang="ko-KR" sz="2300" dirty="0">
+                <a:latin typeface="나눔스퀘어_ac" panose="020B0600000101010101" pitchFamily="50" charset="-127"/>
+                <a:ea typeface="나눔스퀘어_ac" panose="020B0600000101010101" pitchFamily="50" charset="-127"/>
+              </a:rPr>
+              <a:t>RDS</a:t>
+            </a:r>
+            <a:r>
+              <a:rPr lang="ko-KR" altLang="en-US" sz="2300" dirty="0">
+                <a:latin typeface="나눔스퀘어_ac" panose="020B0600000101010101" pitchFamily="50" charset="-127"/>
+                <a:ea typeface="나눔스퀘어_ac" panose="020B0600000101010101" pitchFamily="50" charset="-127"/>
+              </a:rPr>
+              <a:t>로 </a:t>
+            </a:r>
+            <a:r>
+              <a:rPr lang="en-US" altLang="ko-KR" sz="2300" dirty="0">
+                <a:latin typeface="나눔스퀘어_ac" panose="020B0600000101010101" pitchFamily="50" charset="-127"/>
+                <a:ea typeface="나눔스퀘어_ac" panose="020B0600000101010101" pitchFamily="50" charset="-127"/>
+              </a:rPr>
+              <a:t>MariaDB </a:t>
+            </a:r>
+            <a:r>
+              <a:rPr lang="ko-KR" altLang="en-US" sz="2300" dirty="0">
+                <a:latin typeface="나눔스퀘어_ac" panose="020B0600000101010101" pitchFamily="50" charset="-127"/>
+                <a:ea typeface="나눔스퀘어_ac" panose="020B0600000101010101" pitchFamily="50" charset="-127"/>
+              </a:rPr>
+              <a:t>데이터베이스  인스턴트</a:t>
+            </a:r>
+            <a:endParaRPr lang="en-US" altLang="ko-KR" sz="2300" dirty="0">
+              <a:latin typeface="나눔스퀘어_ac" panose="020B0600000101010101" pitchFamily="50" charset="-127"/>
+              <a:ea typeface="나눔스퀘어_ac" panose="020B0600000101010101" pitchFamily="50" charset="-127"/>
+            </a:endParaRPr>
+          </a:p>
+          <a:p>
+            <a:endParaRPr lang="en-US" altLang="ko-KR" sz="2300" dirty="0">
+              <a:latin typeface="나눔스퀘어_ac" panose="020B0600000101010101" pitchFamily="50" charset="-127"/>
+              <a:ea typeface="나눔스퀘어_ac" panose="020B0600000101010101" pitchFamily="50" charset="-127"/>
+            </a:endParaRPr>
+          </a:p>
+          <a:p>
+            <a:r>
+              <a:rPr lang="en-US" altLang="ko-KR" sz="2300" b="1" dirty="0">
+                <a:latin typeface="나눔스퀘어_ac" panose="020B0600000101010101" pitchFamily="50" charset="-127"/>
+                <a:ea typeface="나눔스퀘어_ac" panose="020B0600000101010101" pitchFamily="50" charset="-127"/>
+              </a:rPr>
+              <a:t> </a:t>
+            </a:r>
+            <a:r>
+              <a:rPr lang="ko-KR" altLang="en-US" sz="2300" b="1" dirty="0">
+                <a:latin typeface="나눔스퀘어_ac" panose="020B0600000101010101" pitchFamily="50" charset="-127"/>
+                <a:ea typeface="나눔스퀘어_ac" panose="020B0600000101010101" pitchFamily="50" charset="-127"/>
+              </a:rPr>
+              <a:t>내부 로직</a:t>
+            </a:r>
+            <a:endParaRPr lang="en-US" altLang="ko-KR" sz="2300" b="1" dirty="0">
+              <a:latin typeface="나눔스퀘어_ac" panose="020B0600000101010101" pitchFamily="50" charset="-127"/>
+              <a:ea typeface="나눔스퀘어_ac" panose="020B0600000101010101" pitchFamily="50" charset="-127"/>
+            </a:endParaRPr>
+          </a:p>
+          <a:p>
+            <a:pPr marL="342900" indent="-342900">
+              <a:buFontTx/>
+              <a:buChar char="-"/>
+            </a:pPr>
+            <a:r>
+              <a:rPr lang="ko-KR" altLang="en-US" sz="2300" dirty="0">
+                <a:latin typeface="나눔스퀘어_ac" panose="020B0600000101010101" pitchFamily="50" charset="-127"/>
+                <a:ea typeface="나눔스퀘어_ac" panose="020B0600000101010101" pitchFamily="50" charset="-127"/>
+              </a:rPr>
+              <a:t>유저</a:t>
+            </a:r>
+            <a:r>
+              <a:rPr lang="en-US" altLang="ko-KR" sz="2300" dirty="0">
+                <a:latin typeface="나눔스퀘어_ac" panose="020B0600000101010101" pitchFamily="50" charset="-127"/>
+                <a:ea typeface="나눔스퀘어_ac" panose="020B0600000101010101" pitchFamily="50" charset="-127"/>
+              </a:rPr>
+              <a:t>, </a:t>
+            </a:r>
+            <a:r>
+              <a:rPr lang="ko-KR" altLang="en-US" sz="2300" dirty="0">
+                <a:latin typeface="나눔스퀘어_ac" panose="020B0600000101010101" pitchFamily="50" charset="-127"/>
+                <a:ea typeface="나눔스퀘어_ac" panose="020B0600000101010101" pitchFamily="50" charset="-127"/>
+              </a:rPr>
+              <a:t>바코드</a:t>
+            </a:r>
+            <a:r>
+              <a:rPr lang="en-US" altLang="ko-KR" sz="2300" dirty="0">
+                <a:latin typeface="나눔스퀘어_ac" panose="020B0600000101010101" pitchFamily="50" charset="-127"/>
+                <a:ea typeface="나눔스퀘어_ac" panose="020B0600000101010101" pitchFamily="50" charset="-127"/>
+              </a:rPr>
+              <a:t>, </a:t>
+            </a:r>
+            <a:r>
+              <a:rPr lang="ko-KR" altLang="en-US" sz="2300" dirty="0">
+                <a:latin typeface="나눔스퀘어_ac" panose="020B0600000101010101" pitchFamily="50" charset="-127"/>
+                <a:ea typeface="나눔스퀘어_ac" panose="020B0600000101010101" pitchFamily="50" charset="-127"/>
+              </a:rPr>
+              <a:t>평가 등을 종합하여 데이터 신뢰성 복합적 판단</a:t>
+            </a:r>
+            <a:r>
+              <a:rPr lang="en-US" altLang="ko-KR" sz="2300" dirty="0">
+                <a:latin typeface="나눔스퀘어_ac" panose="020B0600000101010101" pitchFamily="50" charset="-127"/>
+                <a:ea typeface="나눔스퀘어_ac" panose="020B0600000101010101" pitchFamily="50" charset="-127"/>
+              </a:rPr>
+              <a:t> </a:t>
+            </a:r>
+            <a:r>
+              <a:rPr lang="ko-KR" altLang="en-US" sz="2300" dirty="0">
+                <a:latin typeface="나눔스퀘어_ac" panose="020B0600000101010101" pitchFamily="50" charset="-127"/>
+                <a:ea typeface="나눔스퀘어_ac" panose="020B0600000101010101" pitchFamily="50" charset="-127"/>
+              </a:rPr>
+              <a:t>및 검증</a:t>
+            </a:r>
+            <a:endParaRPr lang="en-US" altLang="ko-KR" sz="2300" dirty="0">
+              <a:latin typeface="나눔스퀘어_ac" panose="020B0600000101010101" pitchFamily="50" charset="-127"/>
+              <a:ea typeface="나눔스퀘어_ac" panose="020B0600000101010101" pitchFamily="50" charset="-127"/>
+            </a:endParaRPr>
+          </a:p>
+          <a:p>
+            <a:pPr marL="342900" indent="-342900">
+              <a:buFontTx/>
+              <a:buChar char="-"/>
+            </a:pPr>
+            <a:r>
+              <a:rPr lang="ko-KR" altLang="en-US" sz="2300" dirty="0">
+                <a:latin typeface="나눔스퀘어_ac" panose="020B0600000101010101" pitchFamily="50" charset="-127"/>
+                <a:ea typeface="나눔스퀘어_ac" panose="020B0600000101010101" pitchFamily="50" charset="-127"/>
+              </a:rPr>
+              <a:t>바코드에 대한 질의 시 검증된 데이터를 전송</a:t>
+            </a:r>
+            <a:r>
+              <a:rPr lang="en-US" altLang="ko-KR" sz="2300" dirty="0">
+                <a:latin typeface="나눔스퀘어_ac" panose="020B0600000101010101" pitchFamily="50" charset="-127"/>
+                <a:ea typeface="나눔스퀘어_ac" panose="020B0600000101010101" pitchFamily="50" charset="-127"/>
+              </a:rPr>
+              <a:t>, </a:t>
+            </a:r>
+            <a:r>
+              <a:rPr lang="ko-KR" altLang="en-US" sz="2300" dirty="0" err="1">
+                <a:latin typeface="나눔스퀘어_ac" panose="020B0600000101010101" pitchFamily="50" charset="-127"/>
+                <a:ea typeface="나눔스퀘어_ac" panose="020B0600000101010101" pitchFamily="50" charset="-127"/>
+              </a:rPr>
+              <a:t>부재시</a:t>
+            </a:r>
+            <a:r>
+              <a:rPr lang="ko-KR" altLang="en-US" sz="2300" dirty="0">
+                <a:latin typeface="나눔스퀘어_ac" panose="020B0600000101010101" pitchFamily="50" charset="-127"/>
+                <a:ea typeface="나눔스퀘어_ac" panose="020B0600000101010101" pitchFamily="50" charset="-127"/>
+              </a:rPr>
+              <a:t> 비 검증 데이터를 전송하여 평가 받음</a:t>
+            </a:r>
+            <a:endParaRPr lang="en-US" altLang="ko-KR" sz="2300" dirty="0">
+              <a:latin typeface="나눔스퀘어_ac" panose="020B0600000101010101" pitchFamily="50" charset="-127"/>
+              <a:ea typeface="나눔스퀘어_ac" panose="020B0600000101010101" pitchFamily="50" charset="-127"/>
+            </a:endParaRPr>
+          </a:p>
+          <a:p>
+            <a:pPr marL="342900" indent="-342900">
+              <a:buFontTx/>
+              <a:buChar char="-"/>
+            </a:pPr>
+            <a:r>
+              <a:rPr lang="ko-KR" altLang="en-US" sz="2300" b="1" dirty="0" err="1">
+                <a:latin typeface="나눔스퀘어_ac" panose="020B0600000101010101" pitchFamily="50" charset="-127"/>
+                <a:ea typeface="나눔스퀘어_ac" panose="020B0600000101010101" pitchFamily="50" charset="-127"/>
+              </a:rPr>
+              <a:t>크롤러</a:t>
+            </a:r>
+            <a:r>
+              <a:rPr lang="ko-KR" altLang="en-US" sz="2300" b="1" dirty="0">
+                <a:latin typeface="나눔스퀘어_ac" panose="020B0600000101010101" pitchFamily="50" charset="-127"/>
+                <a:ea typeface="나눔스퀘어_ac" panose="020B0600000101010101" pitchFamily="50" charset="-127"/>
+              </a:rPr>
+              <a:t> 및 외부 </a:t>
+            </a:r>
+            <a:r>
+              <a:rPr lang="en-US" altLang="ko-KR" sz="2300" b="1" dirty="0">
+                <a:latin typeface="나눔스퀘어_ac" panose="020B0600000101010101" pitchFamily="50" charset="-127"/>
+                <a:ea typeface="나눔스퀘어_ac" panose="020B0600000101010101" pitchFamily="50" charset="-127"/>
+              </a:rPr>
+              <a:t>API</a:t>
+            </a:r>
+            <a:r>
+              <a:rPr lang="ko-KR" altLang="en-US" sz="2300" dirty="0">
+                <a:latin typeface="나눔스퀘어_ac" panose="020B0600000101010101" pitchFamily="50" charset="-127"/>
+                <a:ea typeface="나눔스퀘어_ac" panose="020B0600000101010101" pitchFamily="50" charset="-127"/>
+              </a:rPr>
+              <a:t>를 사용</a:t>
+            </a:r>
+            <a:r>
+              <a:rPr lang="en-US" altLang="ko-KR" sz="2300" dirty="0">
+                <a:latin typeface="나눔스퀘어_ac" panose="020B0600000101010101" pitchFamily="50" charset="-127"/>
+                <a:ea typeface="나눔스퀘어_ac" panose="020B0600000101010101" pitchFamily="50" charset="-127"/>
+              </a:rPr>
+              <a:t>,</a:t>
+            </a:r>
+            <a:r>
+              <a:rPr lang="ko-KR" altLang="en-US" sz="2300" dirty="0">
+                <a:latin typeface="나눔스퀘어_ac" panose="020B0600000101010101" pitchFamily="50" charset="-127"/>
+                <a:ea typeface="나눔스퀘어_ac" panose="020B0600000101010101" pitchFamily="50" charset="-127"/>
+              </a:rPr>
+              <a:t> 인터넷 </a:t>
+            </a:r>
+            <a:r>
+              <a:rPr lang="en-US" altLang="ko-KR" sz="2300" dirty="0">
+                <a:latin typeface="나눔스퀘어_ac" panose="020B0600000101010101" pitchFamily="50" charset="-127"/>
+                <a:ea typeface="나눔스퀘어_ac" panose="020B0600000101010101" pitchFamily="50" charset="-127"/>
+              </a:rPr>
+              <a:t>/ </a:t>
+            </a:r>
+            <a:r>
+              <a:rPr lang="ko-KR" altLang="en-US" sz="2300" dirty="0">
+                <a:latin typeface="나눔스퀘어_ac" panose="020B0600000101010101" pitchFamily="50" charset="-127"/>
+                <a:ea typeface="나눔스퀘어_ac" panose="020B0600000101010101" pitchFamily="50" charset="-127"/>
+              </a:rPr>
+              <a:t>외부로부터</a:t>
+            </a:r>
+            <a:br>
+              <a:rPr lang="en-US" altLang="ko-KR" sz="2300" dirty="0">
+                <a:latin typeface="나눔스퀘어_ac" panose="020B0600000101010101" pitchFamily="50" charset="-127"/>
+                <a:ea typeface="나눔스퀘어_ac" panose="020B0600000101010101" pitchFamily="50" charset="-127"/>
+              </a:rPr>
+            </a:br>
+            <a:r>
+              <a:rPr lang="ko-KR" altLang="en-US" sz="2300" dirty="0">
+                <a:latin typeface="나눔스퀘어_ac" panose="020B0600000101010101" pitchFamily="50" charset="-127"/>
+                <a:ea typeface="나눔스퀘어_ac" panose="020B0600000101010101" pitchFamily="50" charset="-127"/>
+              </a:rPr>
+              <a:t>미리 제공된 데이터를 수집</a:t>
+            </a:r>
+            <a:r>
+              <a:rPr lang="en-US" altLang="ko-KR" sz="2300" dirty="0">
+                <a:latin typeface="나눔스퀘어_ac" panose="020B0600000101010101" pitchFamily="50" charset="-127"/>
+                <a:ea typeface="나눔스퀘어_ac" panose="020B0600000101010101" pitchFamily="50" charset="-127"/>
+              </a:rPr>
+              <a:t>, </a:t>
+            </a:r>
+            <a:r>
+              <a:rPr lang="ko-KR" altLang="en-US" sz="2300" dirty="0">
+                <a:latin typeface="나눔스퀘어_ac" panose="020B0600000101010101" pitchFamily="50" charset="-127"/>
+                <a:ea typeface="나눔스퀘어_ac" panose="020B0600000101010101" pitchFamily="50" charset="-127"/>
+              </a:rPr>
+              <a:t>가공</a:t>
+            </a:r>
+            <a:r>
+              <a:rPr lang="en-US" altLang="ko-KR" sz="2300" dirty="0">
+                <a:latin typeface="나눔스퀘어_ac" panose="020B0600000101010101" pitchFamily="50" charset="-127"/>
+                <a:ea typeface="나눔스퀘어_ac" panose="020B0600000101010101" pitchFamily="50" charset="-127"/>
+              </a:rPr>
+              <a:t>, </a:t>
+            </a:r>
+            <a:r>
+              <a:rPr lang="ko-KR" altLang="en-US" sz="2300" dirty="0">
+                <a:latin typeface="나눔스퀘어_ac" panose="020B0600000101010101" pitchFamily="50" charset="-127"/>
+                <a:ea typeface="나눔스퀘어_ac" panose="020B0600000101010101" pitchFamily="50" charset="-127"/>
+              </a:rPr>
+              <a:t>서버 내 </a:t>
+            </a:r>
+            <a:r>
+              <a:rPr lang="en-US" altLang="ko-KR" sz="2300" dirty="0">
+                <a:latin typeface="나눔스퀘어_ac" panose="020B0600000101010101" pitchFamily="50" charset="-127"/>
+                <a:ea typeface="나눔스퀘어_ac" panose="020B0600000101010101" pitchFamily="50" charset="-127"/>
+              </a:rPr>
+              <a:t>DB</a:t>
+            </a:r>
+            <a:r>
+              <a:rPr lang="ko-KR" altLang="en-US" sz="2300" dirty="0">
+                <a:latin typeface="나눔스퀘어_ac" panose="020B0600000101010101" pitchFamily="50" charset="-127"/>
+                <a:ea typeface="나눔스퀘어_ac" panose="020B0600000101010101" pitchFamily="50" charset="-127"/>
+              </a:rPr>
+              <a:t>에 저장</a:t>
+            </a:r>
+            <a:endParaRPr lang="en-US" altLang="ko-KR" sz="2300" dirty="0">
+              <a:latin typeface="나눔스퀘어_ac" panose="020B0600000101010101" pitchFamily="50" charset="-127"/>
+              <a:ea typeface="나눔스퀘어_ac" panose="020B0600000101010101" pitchFamily="50" charset="-127"/>
+            </a:endParaRPr>
+          </a:p>
+        </p:txBody>
+      </p:sp>
       <p:grpSp>
         <p:nvGrpSpPr>
           <p:cNvPr id="86" name="그룹 85">
@@ -5836,12 +5797,265 @@
           </p:style>
         </p:cxnSp>
       </p:grpSp>
+      <p:sp>
+        <p:nvSpPr>
+          <p:cNvPr id="103" name="TextBox 102">
+            <a:extLst>
+              <a:ext uri="{FF2B5EF4-FFF2-40B4-BE49-F238E27FC236}">
+                <a16:creationId xmlns:a16="http://schemas.microsoft.com/office/drawing/2014/main" id="{3D6D3691-BDB2-4E96-B532-EC9C742C5DC7}"/>
+              </a:ext>
+            </a:extLst>
+          </p:cNvPr>
+          <p:cNvSpPr txBox="1"/>
+          <p:nvPr/>
+        </p:nvSpPr>
+        <p:spPr>
+          <a:xfrm>
+            <a:off x="11202241" y="11621086"/>
+            <a:ext cx="8839200" cy="4154984"/>
+          </a:xfrm>
+          <a:prstGeom prst="rect">
+            <a:avLst/>
+          </a:prstGeom>
+          <a:solidFill>
+            <a:schemeClr val="bg1">
+              <a:alpha val="50000"/>
+            </a:schemeClr>
+          </a:solidFill>
+          <a:ln w="76200">
+            <a:solidFill>
+              <a:schemeClr val="bg1"/>
+            </a:solidFill>
+          </a:ln>
+        </p:spPr>
+        <p:txBody>
+          <a:bodyPr wrap="square" rtlCol="0">
+            <a:spAutoFit/>
+          </a:bodyPr>
+          <a:lstStyle/>
+          <a:p>
+            <a:r>
+              <a:rPr lang="en-US" altLang="ko-KR" sz="2400" b="1" dirty="0">
+                <a:latin typeface="나눔스퀘어_ac" panose="020B0600000101010101" pitchFamily="50" charset="-127"/>
+                <a:ea typeface="나눔스퀘어_ac" panose="020B0600000101010101" pitchFamily="50" charset="-127"/>
+              </a:rPr>
+              <a:t> Barcode</a:t>
+            </a:r>
+          </a:p>
+          <a:p>
+            <a:pPr marL="342900" indent="-342900">
+              <a:buFontTx/>
+              <a:buChar char="-"/>
+            </a:pPr>
+            <a:r>
+              <a:rPr lang="en-US" altLang="ko-KR" sz="2400" dirty="0" err="1">
+                <a:latin typeface="나눔스퀘어_ac" panose="020B0600000101010101" pitchFamily="50" charset="-127"/>
+                <a:ea typeface="나눔스퀘어_ac" panose="020B0600000101010101" pitchFamily="50" charset="-127"/>
+              </a:rPr>
+              <a:t>Zxing</a:t>
+            </a:r>
+            <a:r>
+              <a:rPr lang="en-US" altLang="ko-KR" sz="2400" dirty="0">
+                <a:latin typeface="나눔스퀘어_ac" panose="020B0600000101010101" pitchFamily="50" charset="-127"/>
+                <a:ea typeface="나눔스퀘어_ac" panose="020B0600000101010101" pitchFamily="50" charset="-127"/>
+              </a:rPr>
+              <a:t> </a:t>
+            </a:r>
+            <a:r>
+              <a:rPr lang="ko-KR" altLang="en-US" sz="2400" dirty="0">
+                <a:latin typeface="나눔스퀘어_ac" panose="020B0600000101010101" pitchFamily="50" charset="-127"/>
+                <a:ea typeface="나눔스퀘어_ac" panose="020B0600000101010101" pitchFamily="50" charset="-127"/>
+              </a:rPr>
+              <a:t>바코드 스캐너 라이브러리</a:t>
+            </a:r>
+            <a:endParaRPr lang="en-US" altLang="ko-KR" sz="2400" dirty="0">
+              <a:latin typeface="나눔스퀘어_ac" panose="020B0600000101010101" pitchFamily="50" charset="-127"/>
+              <a:ea typeface="나눔스퀘어_ac" panose="020B0600000101010101" pitchFamily="50" charset="-127"/>
+            </a:endParaRPr>
+          </a:p>
+          <a:p>
+            <a:pPr marL="342900" indent="-342900">
+              <a:buFontTx/>
+              <a:buChar char="-"/>
+            </a:pPr>
+            <a:r>
+              <a:rPr lang="ko-KR" altLang="en-US" sz="2400" dirty="0">
+                <a:latin typeface="나눔스퀘어_ac" panose="020B0600000101010101" pitchFamily="50" charset="-127"/>
+                <a:ea typeface="나눔스퀘어_ac" panose="020B0600000101010101" pitchFamily="50" charset="-127"/>
+              </a:rPr>
+              <a:t>캡처한 바코드 </a:t>
+            </a:r>
+            <a:r>
+              <a:rPr lang="en-US" altLang="ko-KR" sz="2400" dirty="0">
+                <a:latin typeface="나눔스퀘어_ac" panose="020B0600000101010101" pitchFamily="50" charset="-127"/>
+                <a:ea typeface="나눔스퀘어_ac" panose="020B0600000101010101" pitchFamily="50" charset="-127"/>
+              </a:rPr>
+              <a:t>String</a:t>
+            </a:r>
+            <a:r>
+              <a:rPr lang="ko-KR" altLang="en-US" sz="2400" dirty="0">
+                <a:latin typeface="나눔스퀘어_ac" panose="020B0600000101010101" pitchFamily="50" charset="-127"/>
+                <a:ea typeface="나눔스퀘어_ac" panose="020B0600000101010101" pitchFamily="50" charset="-127"/>
+              </a:rPr>
+              <a:t>을 </a:t>
+            </a:r>
+            <a:r>
+              <a:rPr lang="en-US" altLang="ko-KR" sz="2400" dirty="0">
+                <a:latin typeface="나눔스퀘어_ac" panose="020B0600000101010101" pitchFamily="50" charset="-127"/>
+                <a:ea typeface="나눔스퀘어_ac" panose="020B0600000101010101" pitchFamily="50" charset="-127"/>
+              </a:rPr>
+              <a:t>DB</a:t>
+            </a:r>
+            <a:r>
+              <a:rPr lang="ko-KR" altLang="en-US" sz="2400" dirty="0">
+                <a:latin typeface="나눔스퀘어_ac" panose="020B0600000101010101" pitchFamily="50" charset="-127"/>
+                <a:ea typeface="나눔스퀘어_ac" panose="020B0600000101010101" pitchFamily="50" charset="-127"/>
+              </a:rPr>
+              <a:t>에 조회</a:t>
+            </a:r>
+            <a:endParaRPr lang="en-US" altLang="ko-KR" sz="2400" dirty="0">
+              <a:latin typeface="나눔스퀘어_ac" panose="020B0600000101010101" pitchFamily="50" charset="-127"/>
+              <a:ea typeface="나눔스퀘어_ac" panose="020B0600000101010101" pitchFamily="50" charset="-127"/>
+            </a:endParaRPr>
+          </a:p>
+          <a:p>
+            <a:endParaRPr lang="en-US" altLang="ko-KR" sz="2400" dirty="0">
+              <a:latin typeface="나눔스퀘어_ac" panose="020B0600000101010101" pitchFamily="50" charset="-127"/>
+              <a:ea typeface="나눔스퀘어_ac" panose="020B0600000101010101" pitchFamily="50" charset="-127"/>
+            </a:endParaRPr>
+          </a:p>
+          <a:p>
+            <a:r>
+              <a:rPr lang="en-US" altLang="ko-KR" sz="2400" b="1" dirty="0">
+                <a:latin typeface="나눔스퀘어_ac" panose="020B0600000101010101" pitchFamily="50" charset="-127"/>
+                <a:ea typeface="나눔스퀘어_ac" panose="020B0600000101010101" pitchFamily="50" charset="-127"/>
+              </a:rPr>
+              <a:t> TTS</a:t>
+            </a:r>
+          </a:p>
+          <a:p>
+            <a:pPr marL="342900" indent="-342900">
+              <a:buFontTx/>
+              <a:buChar char="-"/>
+            </a:pPr>
+            <a:r>
+              <a:rPr lang="ko-KR" altLang="en-US" sz="2400" dirty="0">
+                <a:latin typeface="나눔스퀘어_ac" panose="020B0600000101010101" pitchFamily="50" charset="-127"/>
+                <a:ea typeface="나눔스퀘어_ac" panose="020B0600000101010101" pitchFamily="50" charset="-127"/>
+              </a:rPr>
+              <a:t>응답 받은 정보를 </a:t>
+            </a:r>
+            <a:r>
+              <a:rPr lang="en-US" altLang="ko-KR" sz="2400" dirty="0">
+                <a:latin typeface="나눔스퀘어_ac" panose="020B0600000101010101" pitchFamily="50" charset="-127"/>
+                <a:ea typeface="나눔스퀘어_ac" panose="020B0600000101010101" pitchFamily="50" charset="-127"/>
+              </a:rPr>
+              <a:t>TTS </a:t>
+            </a:r>
+            <a:r>
+              <a:rPr lang="ko-KR" altLang="en-US" sz="2400" dirty="0">
+                <a:latin typeface="나눔스퀘어_ac" panose="020B0600000101010101" pitchFamily="50" charset="-127"/>
+                <a:ea typeface="나눔스퀘어_ac" panose="020B0600000101010101" pitchFamily="50" charset="-127"/>
+              </a:rPr>
+              <a:t>엔진으로 읽어 줌</a:t>
+            </a:r>
+            <a:endParaRPr lang="en-US" altLang="ko-KR" sz="2400" dirty="0">
+              <a:latin typeface="나눔스퀘어_ac" panose="020B0600000101010101" pitchFamily="50" charset="-127"/>
+              <a:ea typeface="나눔스퀘어_ac" panose="020B0600000101010101" pitchFamily="50" charset="-127"/>
+            </a:endParaRPr>
+          </a:p>
+          <a:p>
+            <a:pPr marL="342900" indent="-342900">
+              <a:buFontTx/>
+              <a:buChar char="-"/>
+            </a:pPr>
+            <a:r>
+              <a:rPr lang="ko-KR" altLang="en-US" sz="2400" dirty="0">
+                <a:latin typeface="나눔스퀘어_ac" panose="020B0600000101010101" pitchFamily="50" charset="-127"/>
+                <a:ea typeface="나눔스퀘어_ac" panose="020B0600000101010101" pitchFamily="50" charset="-127"/>
+              </a:rPr>
+              <a:t>사용자 개인별 설정을 따름</a:t>
+            </a:r>
+            <a:endParaRPr lang="en-US" altLang="ko-KR" sz="2400" dirty="0">
+              <a:latin typeface="나눔스퀘어_ac" panose="020B0600000101010101" pitchFamily="50" charset="-127"/>
+              <a:ea typeface="나눔스퀘어_ac" panose="020B0600000101010101" pitchFamily="50" charset="-127"/>
+            </a:endParaRPr>
+          </a:p>
+          <a:p>
+            <a:pPr marL="342900" indent="-342900">
+              <a:buFontTx/>
+              <a:buChar char="-"/>
+            </a:pPr>
+            <a:endParaRPr lang="en-US" altLang="ko-KR" sz="2400" dirty="0">
+              <a:latin typeface="나눔스퀘어_ac" panose="020B0600000101010101" pitchFamily="50" charset="-127"/>
+              <a:ea typeface="나눔스퀘어_ac" panose="020B0600000101010101" pitchFamily="50" charset="-127"/>
+            </a:endParaRPr>
+          </a:p>
+          <a:p>
+            <a:r>
+              <a:rPr lang="en-US" altLang="ko-KR" sz="2400" b="1" dirty="0">
+                <a:latin typeface="나눔스퀘어_ac" panose="020B0600000101010101" pitchFamily="50" charset="-127"/>
+                <a:ea typeface="나눔스퀘어_ac" panose="020B0600000101010101" pitchFamily="50" charset="-127"/>
+              </a:rPr>
+              <a:t>Server</a:t>
+            </a:r>
+          </a:p>
+          <a:p>
+            <a:pPr marL="342900" indent="-342900">
+              <a:buFontTx/>
+              <a:buChar char="-"/>
+            </a:pPr>
+            <a:r>
+              <a:rPr lang="en-US" altLang="ko-KR" sz="2400" dirty="0">
+                <a:latin typeface="나눔스퀘어_ac" panose="020B0600000101010101" pitchFamily="50" charset="-127"/>
+                <a:ea typeface="나눔스퀘어_ac" panose="020B0600000101010101" pitchFamily="50" charset="-127"/>
+              </a:rPr>
+              <a:t>Http</a:t>
+            </a:r>
+            <a:r>
+              <a:rPr lang="ko-KR" altLang="en-US" sz="2400" dirty="0">
+                <a:latin typeface="나눔스퀘어_ac" panose="020B0600000101010101" pitchFamily="50" charset="-127"/>
+                <a:ea typeface="나눔스퀘어_ac" panose="020B0600000101010101" pitchFamily="50" charset="-127"/>
+              </a:rPr>
+              <a:t>를 이용하여 서버와 통신</a:t>
+            </a:r>
+            <a:endParaRPr lang="en-US" altLang="ko-KR" sz="2400" dirty="0">
+              <a:latin typeface="나눔스퀘어_ac" panose="020B0600000101010101" pitchFamily="50" charset="-127"/>
+              <a:ea typeface="나눔스퀘어_ac" panose="020B0600000101010101" pitchFamily="50" charset="-127"/>
+            </a:endParaRPr>
+          </a:p>
+          <a:p>
+            <a:pPr marL="342900" indent="-342900">
+              <a:buFontTx/>
+              <a:buChar char="-"/>
+            </a:pPr>
+            <a:r>
+              <a:rPr lang="en-US" altLang="ko-KR" sz="2400" dirty="0">
+                <a:latin typeface="나눔스퀘어_ac" panose="020B0600000101010101" pitchFamily="50" charset="-127"/>
+                <a:ea typeface="나눔스퀘어_ac" panose="020B0600000101010101" pitchFamily="50" charset="-127"/>
+              </a:rPr>
+              <a:t>Rest API</a:t>
+            </a:r>
+            <a:r>
+              <a:rPr lang="ko-KR" altLang="en-US" sz="2400" dirty="0">
+                <a:latin typeface="나눔스퀘어_ac" panose="020B0600000101010101" pitchFamily="50" charset="-127"/>
+                <a:ea typeface="나눔스퀘어_ac" panose="020B0600000101010101" pitchFamily="50" charset="-127"/>
+              </a:rPr>
+              <a:t>를 적용하여 통신함</a:t>
+            </a:r>
+            <a:endParaRPr lang="en-US" altLang="ko-KR" sz="2400" dirty="0">
+              <a:latin typeface="나눔스퀘어_ac" panose="020B0600000101010101" pitchFamily="50" charset="-127"/>
+              <a:ea typeface="나눔스퀘어_ac" panose="020B0600000101010101" pitchFamily="50" charset="-127"/>
+            </a:endParaRPr>
+          </a:p>
+        </p:txBody>
+      </p:sp>
       <p:grpSp>
         <p:nvGrpSpPr>
-          <p:cNvPr id="102" name="그룹 101">
-            <a:extLst>
-              <a:ext uri="{FF2B5EF4-FFF2-40B4-BE49-F238E27FC236}">
-                <a16:creationId xmlns:a16="http://schemas.microsoft.com/office/drawing/2014/main" id="{3A47BDA6-D846-43A2-874C-0C95E9FA34E9}"/>
+          <p:cNvPr id="105" name="그룹 104">
+            <a:extLst>
+              <a:ext uri="{FF2B5EF4-FFF2-40B4-BE49-F238E27FC236}">
+                <a16:creationId xmlns:a16="http://schemas.microsoft.com/office/drawing/2014/main" id="{DF5CB08B-FF97-425F-A672-7D261AC50C54}"/>
               </a:ext>
             </a:extLst>
           </p:cNvPr>
@@ -5850,291 +6064,7 @@
         </p:nvGrpSpPr>
         <p:grpSpPr>
           <a:xfrm>
-            <a:off x="11200834" y="12709875"/>
-            <a:ext cx="8839200" cy="4299621"/>
-            <a:chOff x="1352550" y="3909868"/>
-            <a:chExt cx="8839200" cy="4299621"/>
-          </a:xfrm>
-        </p:grpSpPr>
-        <p:sp>
-          <p:nvSpPr>
-            <p:cNvPr id="103" name="TextBox 102">
-              <a:extLst>
-                <a:ext uri="{FF2B5EF4-FFF2-40B4-BE49-F238E27FC236}">
-                  <a16:creationId xmlns:a16="http://schemas.microsoft.com/office/drawing/2014/main" id="{3D6D3691-BDB2-4E96-B532-EC9C742C5DC7}"/>
-                </a:ext>
-              </a:extLst>
-            </p:cNvPr>
-            <p:cNvSpPr txBox="1"/>
-            <p:nvPr/>
-          </p:nvSpPr>
-          <p:spPr>
-            <a:xfrm>
-              <a:off x="1352550" y="4423837"/>
-              <a:ext cx="8839200" cy="3785652"/>
-            </a:xfrm>
-            <a:prstGeom prst="rect">
-              <a:avLst/>
-            </a:prstGeom>
-            <a:solidFill>
-              <a:schemeClr val="bg1">
-                <a:alpha val="50000"/>
-              </a:schemeClr>
-            </a:solidFill>
-            <a:ln w="76200">
-              <a:solidFill>
-                <a:schemeClr val="bg1"/>
-              </a:solidFill>
-            </a:ln>
-          </p:spPr>
-          <p:txBody>
-            <a:bodyPr wrap="square" rtlCol="0">
-              <a:spAutoFit/>
-            </a:bodyPr>
-            <a:lstStyle/>
-            <a:p>
-              <a:r>
-                <a:rPr lang="en-US" altLang="ko-KR" sz="2400" b="1" dirty="0">
-                  <a:latin typeface="나눔스퀘어_ac" panose="020B0600000101010101" pitchFamily="50" charset="-127"/>
-                  <a:ea typeface="나눔스퀘어_ac" panose="020B0600000101010101" pitchFamily="50" charset="-127"/>
-                </a:rPr>
-                <a:t> </a:t>
-              </a:r>
-              <a:r>
-                <a:rPr lang="en-US" altLang="ko-KR" sz="2400" b="1" dirty="0" err="1">
-                  <a:latin typeface="나눔스퀘어_ac" panose="020B0600000101010101" pitchFamily="50" charset="-127"/>
-                  <a:ea typeface="나눔스퀘어_ac" panose="020B0600000101010101" pitchFamily="50" charset="-127"/>
-                </a:rPr>
-                <a:t>Zxing</a:t>
-              </a:r>
-              <a:endParaRPr lang="en-US" altLang="ko-KR" sz="2400" b="1" dirty="0">
-                <a:latin typeface="나눔스퀘어_ac" panose="020B0600000101010101" pitchFamily="50" charset="-127"/>
-                <a:ea typeface="나눔스퀘어_ac" panose="020B0600000101010101" pitchFamily="50" charset="-127"/>
-              </a:endParaRPr>
-            </a:p>
-            <a:p>
-              <a:r>
-                <a:rPr lang="ko-KR" altLang="en-US" sz="2400" dirty="0">
-                  <a:latin typeface="나눔스퀘어_ac" panose="020B0600000101010101" pitchFamily="50" charset="-127"/>
-                  <a:ea typeface="나눔스퀘어_ac" panose="020B0600000101010101" pitchFamily="50" charset="-127"/>
-                </a:rPr>
-                <a:t>안드로이드 에서 사용할 수 있는 바코드 스캐너</a:t>
-              </a:r>
-              <a:r>
-                <a:rPr lang="en-US" altLang="ko-KR" sz="2400" dirty="0">
-                  <a:latin typeface="나눔스퀘어_ac" panose="020B0600000101010101" pitchFamily="50" charset="-127"/>
-                  <a:ea typeface="나눔스퀘어_ac" panose="020B0600000101010101" pitchFamily="50" charset="-127"/>
-                </a:rPr>
-                <a:t>.  </a:t>
-              </a:r>
-              <a:r>
-                <a:rPr lang="ko-KR" altLang="en-US" sz="2400" dirty="0">
-                  <a:latin typeface="나눔스퀘어_ac" panose="020B0600000101010101" pitchFamily="50" charset="-127"/>
-                  <a:ea typeface="나눔스퀘어_ac" panose="020B0600000101010101" pitchFamily="50" charset="-127"/>
-                </a:rPr>
-                <a:t>해당 라이브러리를 사용하여 인식한 바코드 </a:t>
-              </a:r>
-              <a:r>
-                <a:rPr lang="en-US" altLang="ko-KR" sz="2400" dirty="0">
-                  <a:latin typeface="나눔스퀘어_ac" panose="020B0600000101010101" pitchFamily="50" charset="-127"/>
-                  <a:ea typeface="나눔스퀘어_ac" panose="020B0600000101010101" pitchFamily="50" charset="-127"/>
-                </a:rPr>
-                <a:t>String</a:t>
-              </a:r>
-              <a:r>
-                <a:rPr lang="ko-KR" altLang="en-US" sz="2400" dirty="0">
-                  <a:latin typeface="나눔스퀘어_ac" panose="020B0600000101010101" pitchFamily="50" charset="-127"/>
-                  <a:ea typeface="나눔스퀘어_ac" panose="020B0600000101010101" pitchFamily="50" charset="-127"/>
-                </a:rPr>
-                <a:t>을 </a:t>
-              </a:r>
-              <a:r>
-                <a:rPr lang="en-US" altLang="ko-KR" sz="2400" dirty="0">
-                  <a:latin typeface="나눔스퀘어_ac" panose="020B0600000101010101" pitchFamily="50" charset="-127"/>
-                  <a:ea typeface="나눔스퀘어_ac" panose="020B0600000101010101" pitchFamily="50" charset="-127"/>
-                </a:rPr>
-                <a:t>DB</a:t>
-              </a:r>
-              <a:r>
-                <a:rPr lang="ko-KR" altLang="en-US" sz="2400" dirty="0">
-                  <a:latin typeface="나눔스퀘어_ac" panose="020B0600000101010101" pitchFamily="50" charset="-127"/>
-                  <a:ea typeface="나눔스퀘어_ac" panose="020B0600000101010101" pitchFamily="50" charset="-127"/>
-                </a:rPr>
-                <a:t>에 조회함</a:t>
-              </a:r>
-              <a:endParaRPr lang="en-US" altLang="ko-KR" sz="2400" dirty="0">
-                <a:latin typeface="나눔스퀘어_ac" panose="020B0600000101010101" pitchFamily="50" charset="-127"/>
-                <a:ea typeface="나눔스퀘어_ac" panose="020B0600000101010101" pitchFamily="50" charset="-127"/>
-              </a:endParaRPr>
-            </a:p>
-            <a:p>
-              <a:endParaRPr lang="en-US" altLang="ko-KR" sz="2400" dirty="0">
-                <a:latin typeface="나눔스퀘어_ac" panose="020B0600000101010101" pitchFamily="50" charset="-127"/>
-                <a:ea typeface="나눔스퀘어_ac" panose="020B0600000101010101" pitchFamily="50" charset="-127"/>
-              </a:endParaRPr>
-            </a:p>
-            <a:p>
-              <a:r>
-                <a:rPr lang="en-US" altLang="ko-KR" sz="2400" b="1" dirty="0">
-                  <a:latin typeface="나눔스퀘어_ac" panose="020B0600000101010101" pitchFamily="50" charset="-127"/>
-                  <a:ea typeface="나눔스퀘어_ac" panose="020B0600000101010101" pitchFamily="50" charset="-127"/>
-                </a:rPr>
-                <a:t> TTS</a:t>
-              </a:r>
-            </a:p>
-            <a:p>
-              <a:r>
-                <a:rPr lang="ko-KR" altLang="en-US" sz="2400" dirty="0">
-                  <a:latin typeface="나눔스퀘어_ac" panose="020B0600000101010101" pitchFamily="50" charset="-127"/>
-                  <a:ea typeface="나눔스퀘어_ac" panose="020B0600000101010101" pitchFamily="50" charset="-127"/>
-                </a:rPr>
-                <a:t>조회하여 응답 받은  제품정보를 </a:t>
-              </a:r>
-              <a:r>
-                <a:rPr lang="en-US" altLang="ko-KR" sz="2400" dirty="0">
-                  <a:latin typeface="나눔스퀘어_ac" panose="020B0600000101010101" pitchFamily="50" charset="-127"/>
-                  <a:ea typeface="나눔스퀘어_ac" panose="020B0600000101010101" pitchFamily="50" charset="-127"/>
-                </a:rPr>
-                <a:t>TTS </a:t>
-              </a:r>
-              <a:r>
-                <a:rPr lang="ko-KR" altLang="en-US" sz="2400" dirty="0">
-                  <a:latin typeface="나눔스퀘어_ac" panose="020B0600000101010101" pitchFamily="50" charset="-127"/>
-                  <a:ea typeface="나눔스퀘어_ac" panose="020B0600000101010101" pitchFamily="50" charset="-127"/>
-                </a:rPr>
-                <a:t>엔진으로 읽어주는데</a:t>
-              </a:r>
-              <a:r>
-                <a:rPr lang="en-US" altLang="ko-KR" sz="2400" dirty="0">
-                  <a:latin typeface="나눔스퀘어_ac" panose="020B0600000101010101" pitchFamily="50" charset="-127"/>
-                  <a:ea typeface="나눔스퀘어_ac" panose="020B0600000101010101" pitchFamily="50" charset="-127"/>
-                </a:rPr>
-                <a:t>, </a:t>
-              </a:r>
-              <a:r>
-                <a:rPr lang="ko-KR" altLang="en-US" sz="2400" dirty="0">
-                  <a:latin typeface="나눔스퀘어_ac" panose="020B0600000101010101" pitchFamily="50" charset="-127"/>
-                  <a:ea typeface="나눔스퀘어_ac" panose="020B0600000101010101" pitchFamily="50" charset="-127"/>
-                </a:rPr>
-                <a:t>이는 사용자 기기 별 기본 설정을 따르므로 개인에게 맞는 적용이 가능함</a:t>
-              </a:r>
-              <a:endParaRPr lang="en-US" altLang="ko-KR" sz="2400" dirty="0">
-                <a:latin typeface="나눔스퀘어_ac" panose="020B0600000101010101" pitchFamily="50" charset="-127"/>
-                <a:ea typeface="나눔스퀘어_ac" panose="020B0600000101010101" pitchFamily="50" charset="-127"/>
-              </a:endParaRPr>
-            </a:p>
-            <a:p>
-              <a:endParaRPr lang="en-US" altLang="ko-KR" sz="2400" dirty="0">
-                <a:latin typeface="나눔스퀘어_ac" panose="020B0600000101010101" pitchFamily="50" charset="-127"/>
-                <a:ea typeface="나눔스퀘어_ac" panose="020B0600000101010101" pitchFamily="50" charset="-127"/>
-              </a:endParaRPr>
-            </a:p>
-            <a:p>
-              <a:r>
-                <a:rPr lang="en-US" altLang="ko-KR" sz="2400" b="1" dirty="0">
-                  <a:latin typeface="나눔스퀘어_ac" panose="020B0600000101010101" pitchFamily="50" charset="-127"/>
-                  <a:ea typeface="나눔스퀘어_ac" panose="020B0600000101010101" pitchFamily="50" charset="-127"/>
-                </a:rPr>
-                <a:t>Server</a:t>
-              </a:r>
-            </a:p>
-            <a:p>
-              <a:r>
-                <a:rPr lang="en-US" altLang="ko-KR" sz="2400" dirty="0">
-                  <a:latin typeface="나눔스퀘어_ac" panose="020B0600000101010101" pitchFamily="50" charset="-127"/>
-                  <a:ea typeface="나눔스퀘어_ac" panose="020B0600000101010101" pitchFamily="50" charset="-127"/>
-                </a:rPr>
-                <a:t>Http</a:t>
-              </a:r>
-              <a:r>
-                <a:rPr lang="ko-KR" altLang="en-US" sz="2400" dirty="0">
-                  <a:latin typeface="나눔스퀘어_ac" panose="020B0600000101010101" pitchFamily="50" charset="-127"/>
-                  <a:ea typeface="나눔스퀘어_ac" panose="020B0600000101010101" pitchFamily="50" charset="-127"/>
-                </a:rPr>
-                <a:t>를 이용하여 서버와 통신</a:t>
-              </a:r>
-              <a:r>
-                <a:rPr lang="en-US" altLang="ko-KR" sz="2400" dirty="0">
-                  <a:latin typeface="나눔스퀘어_ac" panose="020B0600000101010101" pitchFamily="50" charset="-127"/>
-                  <a:ea typeface="나눔스퀘어_ac" panose="020B0600000101010101" pitchFamily="50" charset="-127"/>
-                </a:rPr>
-                <a:t>. Rest API</a:t>
-              </a:r>
-              <a:r>
-                <a:rPr lang="ko-KR" altLang="en-US" sz="2400" dirty="0">
-                  <a:latin typeface="나눔스퀘어_ac" panose="020B0600000101010101" pitchFamily="50" charset="-127"/>
-                  <a:ea typeface="나눔스퀘어_ac" panose="020B0600000101010101" pitchFamily="50" charset="-127"/>
-                </a:rPr>
-                <a:t>를 적용하여 통신함</a:t>
-              </a:r>
-              <a:endParaRPr lang="en-US" altLang="ko-KR" sz="2400" dirty="0">
-                <a:latin typeface="나눔스퀘어_ac" panose="020B0600000101010101" pitchFamily="50" charset="-127"/>
-                <a:ea typeface="나눔스퀘어_ac" panose="020B0600000101010101" pitchFamily="50" charset="-127"/>
-              </a:endParaRPr>
-            </a:p>
-          </p:txBody>
-        </p:sp>
-        <p:sp>
-          <p:nvSpPr>
-            <p:cNvPr id="104" name="TextBox 103">
-              <a:extLst>
-                <a:ext uri="{FF2B5EF4-FFF2-40B4-BE49-F238E27FC236}">
-                  <a16:creationId xmlns:a16="http://schemas.microsoft.com/office/drawing/2014/main" id="{62447E1D-40E9-494E-A83D-04A83129E4F4}"/>
-                </a:ext>
-              </a:extLst>
-            </p:cNvPr>
-            <p:cNvSpPr txBox="1"/>
-            <p:nvPr/>
-          </p:nvSpPr>
-          <p:spPr>
-            <a:xfrm>
-              <a:off x="1352550" y="3909868"/>
-              <a:ext cx="1587294" cy="461665"/>
-            </a:xfrm>
-            <a:prstGeom prst="rect">
-              <a:avLst/>
-            </a:prstGeom>
-            <a:solidFill>
-              <a:schemeClr val="bg1"/>
-            </a:solidFill>
-            <a:ln w="76200">
-              <a:solidFill>
-                <a:schemeClr val="bg1"/>
-              </a:solidFill>
-            </a:ln>
-          </p:spPr>
-          <p:txBody>
-            <a:bodyPr wrap="none" rtlCol="0">
-              <a:spAutoFit/>
-            </a:bodyPr>
-            <a:lstStyle/>
-            <a:p>
-              <a:r>
-                <a:rPr lang="ko-KR" altLang="en-US" sz="2400" b="1" dirty="0">
-                  <a:latin typeface="나눔스퀘어라운드 Bold" panose="020B0600000101010101" pitchFamily="50" charset="-127"/>
-                  <a:ea typeface="나눔스퀘어라운드 Bold" panose="020B0600000101010101" pitchFamily="50" charset="-127"/>
-                </a:rPr>
-                <a:t>안드로이드</a:t>
-              </a:r>
-            </a:p>
-          </p:txBody>
-        </p:sp>
-      </p:grpSp>
-      <p:grpSp>
-        <p:nvGrpSpPr>
-          <p:cNvPr id="105" name="그룹 104">
-            <a:extLst>
-              <a:ext uri="{FF2B5EF4-FFF2-40B4-BE49-F238E27FC236}">
-                <a16:creationId xmlns:a16="http://schemas.microsoft.com/office/drawing/2014/main" id="{DF5CB08B-FF97-425F-A672-7D261AC50C54}"/>
-              </a:ext>
-            </a:extLst>
-          </p:cNvPr>
-          <p:cNvGrpSpPr/>
-          <p:nvPr/>
-        </p:nvGrpSpPr>
-        <p:grpSpPr>
-          <a:xfrm>
-            <a:off x="11200834" y="11242742"/>
+            <a:off x="11202241" y="10325784"/>
             <a:ext cx="5634554" cy="1061306"/>
             <a:chOff x="1295400" y="4086104"/>
             <a:chExt cx="5634554" cy="1061306"/>
@@ -7190,12 +7120,233 @@
           </p:style>
         </p:cxnSp>
       </p:grpSp>
+      <p:sp>
+        <p:nvSpPr>
+          <p:cNvPr id="118" name="TextBox 117">
+            <a:extLst>
+              <a:ext uri="{FF2B5EF4-FFF2-40B4-BE49-F238E27FC236}">
+                <a16:creationId xmlns:a16="http://schemas.microsoft.com/office/drawing/2014/main" id="{54E16990-A909-4134-8F07-0CF485B9013C}"/>
+              </a:ext>
+            </a:extLst>
+          </p:cNvPr>
+          <p:cNvSpPr txBox="1"/>
+          <p:nvPr/>
+        </p:nvSpPr>
+        <p:spPr>
+          <a:xfrm>
+            <a:off x="1342185" y="11229465"/>
+            <a:ext cx="8839200" cy="4893647"/>
+          </a:xfrm>
+          <a:prstGeom prst="rect">
+            <a:avLst/>
+          </a:prstGeom>
+          <a:solidFill>
+            <a:schemeClr val="bg1">
+              <a:alpha val="50000"/>
+            </a:schemeClr>
+          </a:solidFill>
+          <a:ln w="76200">
+            <a:solidFill>
+              <a:schemeClr val="bg1"/>
+            </a:solidFill>
+          </a:ln>
+        </p:spPr>
+        <p:txBody>
+          <a:bodyPr wrap="square" rtlCol="0">
+            <a:spAutoFit/>
+          </a:bodyPr>
+          <a:lstStyle/>
+          <a:p>
+            <a:r>
+              <a:rPr lang="ko-KR" altLang="en-US" sz="2400" b="1" dirty="0">
+                <a:latin typeface="나눔스퀘어_ac" panose="020B0600000101010101" pitchFamily="50" charset="-127"/>
+                <a:ea typeface="나눔스퀘어_ac" panose="020B0600000101010101" pitchFamily="50" charset="-127"/>
+              </a:rPr>
+              <a:t>첫 시작 시</a:t>
+            </a:r>
+            <a:endParaRPr lang="en-US" altLang="ko-KR" sz="2400" b="1" dirty="0">
+              <a:latin typeface="나눔스퀘어_ac" panose="020B0600000101010101" pitchFamily="50" charset="-127"/>
+              <a:ea typeface="나눔스퀘어_ac" panose="020B0600000101010101" pitchFamily="50" charset="-127"/>
+            </a:endParaRPr>
+          </a:p>
+          <a:p>
+            <a:pPr marL="457200" indent="-457200">
+              <a:buFontTx/>
+              <a:buChar char="-"/>
+            </a:pPr>
+            <a:r>
+              <a:rPr lang="ko-KR" altLang="en-US" sz="2400" dirty="0">
+                <a:latin typeface="나눔스퀘어_ac" panose="020B0600000101010101" pitchFamily="50" charset="-127"/>
+                <a:ea typeface="나눔스퀘어_ac" panose="020B0600000101010101" pitchFamily="50" charset="-127"/>
+              </a:rPr>
+              <a:t>첫 시작시에 튜토리얼을 실행하여</a:t>
+            </a:r>
+            <a:br>
+              <a:rPr lang="en-US" altLang="ko-KR" sz="2400" dirty="0">
+                <a:latin typeface="나눔스퀘어_ac" panose="020B0600000101010101" pitchFamily="50" charset="-127"/>
+                <a:ea typeface="나눔스퀘어_ac" panose="020B0600000101010101" pitchFamily="50" charset="-127"/>
+              </a:rPr>
+            </a:br>
+            <a:r>
+              <a:rPr lang="ko-KR" altLang="en-US" sz="2400" dirty="0">
+                <a:latin typeface="나눔스퀘어_ac" panose="020B0600000101010101" pitchFamily="50" charset="-127"/>
+                <a:ea typeface="나눔스퀘어_ac" panose="020B0600000101010101" pitchFamily="50" charset="-127"/>
+              </a:rPr>
+              <a:t>어플리케이션 사용을 익숙하게 만들어 줌</a:t>
+            </a:r>
+            <a:endParaRPr lang="en-US" altLang="ko-KR" sz="2400" dirty="0">
+              <a:latin typeface="나눔스퀘어_ac" panose="020B0600000101010101" pitchFamily="50" charset="-127"/>
+              <a:ea typeface="나눔스퀘어_ac" panose="020B0600000101010101" pitchFamily="50" charset="-127"/>
+            </a:endParaRPr>
+          </a:p>
+          <a:p>
+            <a:endParaRPr lang="en-US" altLang="ko-KR" sz="2400" dirty="0">
+              <a:latin typeface="나눔스퀘어_ac" panose="020B0600000101010101" pitchFamily="50" charset="-127"/>
+              <a:ea typeface="나눔스퀘어_ac" panose="020B0600000101010101" pitchFamily="50" charset="-127"/>
+            </a:endParaRPr>
+          </a:p>
+          <a:p>
+            <a:r>
+              <a:rPr lang="ko-KR" altLang="en-US" sz="2400" b="1" dirty="0">
+                <a:latin typeface="나눔스퀘어_ac" panose="020B0600000101010101" pitchFamily="50" charset="-127"/>
+                <a:ea typeface="나눔스퀘어_ac" panose="020B0600000101010101" pitchFamily="50" charset="-127"/>
+              </a:rPr>
+              <a:t>기본기능</a:t>
+            </a:r>
+            <a:endParaRPr lang="en-US" altLang="ko-KR" sz="2400" b="1" dirty="0">
+              <a:latin typeface="나눔스퀘어_ac" panose="020B0600000101010101" pitchFamily="50" charset="-127"/>
+              <a:ea typeface="나눔스퀘어_ac" panose="020B0600000101010101" pitchFamily="50" charset="-127"/>
+            </a:endParaRPr>
+          </a:p>
+          <a:p>
+            <a:pPr marL="457200" indent="-457200">
+              <a:buFontTx/>
+              <a:buChar char="-"/>
+            </a:pPr>
+            <a:r>
+              <a:rPr lang="ko-KR" altLang="en-US" sz="2400" dirty="0">
+                <a:latin typeface="나눔스퀘어_ac" panose="020B0600000101010101" pitchFamily="50" charset="-127"/>
+                <a:ea typeface="나눔스퀘어_ac" panose="020B0600000101010101" pitchFamily="50" charset="-127"/>
+              </a:rPr>
+              <a:t>바코드를 카메라로 읽어서 제품정보를 소리로 읽어 줌</a:t>
+            </a:r>
+            <a:endParaRPr lang="en-US" altLang="ko-KR" sz="2400" dirty="0">
+              <a:latin typeface="나눔스퀘어_ac" panose="020B0600000101010101" pitchFamily="50" charset="-127"/>
+              <a:ea typeface="나눔스퀘어_ac" panose="020B0600000101010101" pitchFamily="50" charset="-127"/>
+            </a:endParaRPr>
+          </a:p>
+          <a:p>
+            <a:pPr marL="457200" indent="-457200">
+              <a:buFontTx/>
+              <a:buChar char="-"/>
+            </a:pPr>
+            <a:r>
+              <a:rPr lang="ko-KR" altLang="en-US" sz="2400" dirty="0">
+                <a:latin typeface="나눔스퀘어_ac" panose="020B0600000101010101" pitchFamily="50" charset="-127"/>
+                <a:ea typeface="나눔스퀘어_ac" panose="020B0600000101010101" pitchFamily="50" charset="-127"/>
+              </a:rPr>
+              <a:t>제품정보가 없다면 사용자가 제품정보를 직접 등록 할 수 있음</a:t>
+            </a:r>
+            <a:endParaRPr lang="en-US" altLang="ko-KR" sz="2400" dirty="0">
+              <a:latin typeface="나눔스퀘어_ac" panose="020B0600000101010101" pitchFamily="50" charset="-127"/>
+              <a:ea typeface="나눔스퀘어_ac" panose="020B0600000101010101" pitchFamily="50" charset="-127"/>
+            </a:endParaRPr>
+          </a:p>
+          <a:p>
+            <a:pPr marL="457200" indent="-457200">
+              <a:buFontTx/>
+              <a:buChar char="-"/>
+            </a:pPr>
+            <a:r>
+              <a:rPr lang="ko-KR" altLang="en-US" sz="2400" dirty="0">
+                <a:latin typeface="나눔스퀘어_ac" panose="020B0600000101010101" pitchFamily="50" charset="-127"/>
+                <a:ea typeface="나눔스퀘어_ac" panose="020B0600000101010101" pitchFamily="50" charset="-127"/>
+              </a:rPr>
+              <a:t>제품 정보가 잘못된 것 같아도 사용자가 직접 등록할 수 있음</a:t>
+            </a:r>
+            <a:endParaRPr lang="en-US" altLang="ko-KR" sz="2400" dirty="0">
+              <a:latin typeface="나눔스퀘어_ac" panose="020B0600000101010101" pitchFamily="50" charset="-127"/>
+              <a:ea typeface="나눔스퀘어_ac" panose="020B0600000101010101" pitchFamily="50" charset="-127"/>
+            </a:endParaRPr>
+          </a:p>
+          <a:p>
+            <a:endParaRPr lang="en-US" altLang="ko-KR" sz="2400" dirty="0">
+              <a:latin typeface="나눔스퀘어_ac" panose="020B0600000101010101" pitchFamily="50" charset="-127"/>
+              <a:ea typeface="나눔스퀘어_ac" panose="020B0600000101010101" pitchFamily="50" charset="-127"/>
+            </a:endParaRPr>
+          </a:p>
+          <a:p>
+            <a:r>
+              <a:rPr lang="ko-KR" altLang="en-US" sz="2400" b="1" dirty="0">
+                <a:latin typeface="나눔스퀘어_ac" panose="020B0600000101010101" pitchFamily="50" charset="-127"/>
+                <a:ea typeface="나눔스퀘어_ac" panose="020B0600000101010101" pitchFamily="50" charset="-127"/>
+              </a:rPr>
+              <a:t>추가기능</a:t>
+            </a:r>
+            <a:endParaRPr lang="en-US" altLang="ko-KR" sz="2400" b="1" dirty="0">
+              <a:latin typeface="나눔스퀘어_ac" panose="020B0600000101010101" pitchFamily="50" charset="-127"/>
+              <a:ea typeface="나눔스퀘어_ac" panose="020B0600000101010101" pitchFamily="50" charset="-127"/>
+            </a:endParaRPr>
+          </a:p>
+          <a:p>
+            <a:pPr marL="457200" indent="-457200">
+              <a:buFontTx/>
+              <a:buChar char="-"/>
+            </a:pPr>
+            <a:r>
+              <a:rPr lang="ko-KR" altLang="en-US" sz="2400" dirty="0">
+                <a:latin typeface="나눔스퀘어_ac" panose="020B0600000101010101" pitchFamily="50" charset="-127"/>
+                <a:ea typeface="나눔스퀘어_ac" panose="020B0600000101010101" pitchFamily="50" charset="-127"/>
+              </a:rPr>
+              <a:t>최근 바코드 조회기록을 소리로 읽어 줌</a:t>
+            </a:r>
+            <a:endParaRPr lang="en-US" altLang="ko-KR" sz="2400" dirty="0">
+              <a:latin typeface="나눔스퀘어_ac" panose="020B0600000101010101" pitchFamily="50" charset="-127"/>
+              <a:ea typeface="나눔스퀘어_ac" panose="020B0600000101010101" pitchFamily="50" charset="-127"/>
+            </a:endParaRPr>
+          </a:p>
+          <a:p>
+            <a:pPr marL="457200" indent="-457200">
+              <a:buFontTx/>
+              <a:buChar char="-"/>
+            </a:pPr>
+            <a:r>
+              <a:rPr lang="ko-KR" altLang="en-US" sz="2400" dirty="0">
+                <a:latin typeface="나눔스퀘어_ac" panose="020B0600000101010101" pitchFamily="50" charset="-127"/>
+                <a:ea typeface="나눔스퀘어_ac" panose="020B0600000101010101" pitchFamily="50" charset="-127"/>
+              </a:rPr>
+              <a:t>최근 바코드 조회기록으로 올바른 정보인지 평가할 수 있음</a:t>
+            </a:r>
+            <a:endParaRPr lang="en-US" altLang="ko-KR" sz="2400" dirty="0">
+              <a:latin typeface="나눔스퀘어_ac" panose="020B0600000101010101" pitchFamily="50" charset="-127"/>
+              <a:ea typeface="나눔스퀘어_ac" panose="020B0600000101010101" pitchFamily="50" charset="-127"/>
+            </a:endParaRPr>
+          </a:p>
+          <a:p>
+            <a:pPr marL="457200" indent="-457200">
+              <a:buFontTx/>
+              <a:buChar char="-"/>
+            </a:pPr>
+            <a:r>
+              <a:rPr lang="ko-KR" altLang="en-US" sz="2400" dirty="0">
+                <a:latin typeface="나눔스퀘어_ac" panose="020B0600000101010101" pitchFamily="50" charset="-127"/>
+                <a:ea typeface="나눔스퀘어_ac" panose="020B0600000101010101" pitchFamily="50" charset="-127"/>
+              </a:rPr>
+              <a:t>로그인으로 사용자 정보를 저장 할 수 있음</a:t>
+            </a:r>
+            <a:endParaRPr lang="en-US" altLang="ko-KR" sz="2400" dirty="0">
+              <a:latin typeface="나눔스퀘어_ac" panose="020B0600000101010101" pitchFamily="50" charset="-127"/>
+              <a:ea typeface="나눔스퀘어_ac" panose="020B0600000101010101" pitchFamily="50" charset="-127"/>
+            </a:endParaRPr>
+          </a:p>
+        </p:txBody>
+      </p:sp>
       <p:grpSp>
         <p:nvGrpSpPr>
-          <p:cNvPr id="117" name="그룹 116">
-            <a:extLst>
-              <a:ext uri="{FF2B5EF4-FFF2-40B4-BE49-F238E27FC236}">
-                <a16:creationId xmlns:a16="http://schemas.microsoft.com/office/drawing/2014/main" id="{2C37FBF1-7890-4380-B7A2-729B007C24EA}"/>
+          <p:cNvPr id="120" name="그룹 119">
+            <a:extLst>
+              <a:ext uri="{FF2B5EF4-FFF2-40B4-BE49-F238E27FC236}">
+                <a16:creationId xmlns:a16="http://schemas.microsoft.com/office/drawing/2014/main" id="{E8C8FED9-B8F1-47FA-AE4F-AFA44EE1BA09}"/>
               </a:ext>
             </a:extLst>
           </p:cNvPr>
@@ -7204,281 +7355,7 @@
         </p:nvGrpSpPr>
         <p:grpSpPr>
           <a:xfrm>
-            <a:off x="1351246" y="11601880"/>
-            <a:ext cx="8839200" cy="5407616"/>
-            <a:chOff x="1352550" y="3909868"/>
-            <a:chExt cx="8839200" cy="5407616"/>
-          </a:xfrm>
-        </p:grpSpPr>
-        <p:sp>
-          <p:nvSpPr>
-            <p:cNvPr id="118" name="TextBox 117">
-              <a:extLst>
-                <a:ext uri="{FF2B5EF4-FFF2-40B4-BE49-F238E27FC236}">
-                  <a16:creationId xmlns:a16="http://schemas.microsoft.com/office/drawing/2014/main" id="{54E16990-A909-4134-8F07-0CF485B9013C}"/>
-                </a:ext>
-              </a:extLst>
-            </p:cNvPr>
-            <p:cNvSpPr txBox="1"/>
-            <p:nvPr/>
-          </p:nvSpPr>
-          <p:spPr>
-            <a:xfrm>
-              <a:off x="1352550" y="4423837"/>
-              <a:ext cx="8839200" cy="4893647"/>
-            </a:xfrm>
-            <a:prstGeom prst="rect">
-              <a:avLst/>
-            </a:prstGeom>
-            <a:solidFill>
-              <a:schemeClr val="bg1">
-                <a:alpha val="50000"/>
-              </a:schemeClr>
-            </a:solidFill>
-            <a:ln w="76200">
-              <a:solidFill>
-                <a:schemeClr val="bg1"/>
-              </a:solidFill>
-            </a:ln>
-          </p:spPr>
-          <p:txBody>
-            <a:bodyPr wrap="square" rtlCol="0">
-              <a:spAutoFit/>
-            </a:bodyPr>
-            <a:lstStyle/>
-            <a:p>
-              <a:r>
-                <a:rPr lang="ko-KR" altLang="en-US" sz="2400" b="1" dirty="0">
-                  <a:latin typeface="나눔스퀘어_ac" panose="020B0600000101010101" pitchFamily="50" charset="-127"/>
-                  <a:ea typeface="나눔스퀘어_ac" panose="020B0600000101010101" pitchFamily="50" charset="-127"/>
-                </a:rPr>
-                <a:t>첫 시작 시</a:t>
-              </a:r>
-              <a:endParaRPr lang="en-US" altLang="ko-KR" sz="2400" b="1" dirty="0">
-                <a:latin typeface="나눔스퀘어_ac" panose="020B0600000101010101" pitchFamily="50" charset="-127"/>
-                <a:ea typeface="나눔스퀘어_ac" panose="020B0600000101010101" pitchFamily="50" charset="-127"/>
-              </a:endParaRPr>
-            </a:p>
-            <a:p>
-              <a:pPr marL="457200" indent="-457200">
-                <a:buFontTx/>
-                <a:buChar char="-"/>
-              </a:pPr>
-              <a:r>
-                <a:rPr lang="ko-KR" altLang="en-US" sz="2400" dirty="0">
-                  <a:latin typeface="나눔스퀘어_ac" panose="020B0600000101010101" pitchFamily="50" charset="-127"/>
-                  <a:ea typeface="나눔스퀘어_ac" panose="020B0600000101010101" pitchFamily="50" charset="-127"/>
-                </a:rPr>
-                <a:t>첫 시작시에 튜토리얼을 실행하여 어플리케이션 사용을 익숙하게 만들어 준다</a:t>
-              </a:r>
-              <a:endParaRPr lang="en-US" altLang="ko-KR" sz="2400" dirty="0">
-                <a:latin typeface="나눔스퀘어_ac" panose="020B0600000101010101" pitchFamily="50" charset="-127"/>
-                <a:ea typeface="나눔스퀘어_ac" panose="020B0600000101010101" pitchFamily="50" charset="-127"/>
-              </a:endParaRPr>
-            </a:p>
-            <a:p>
-              <a:endParaRPr lang="en-US" altLang="ko-KR" sz="2400" dirty="0">
-                <a:latin typeface="나눔스퀘어_ac" panose="020B0600000101010101" pitchFamily="50" charset="-127"/>
-                <a:ea typeface="나눔스퀘어_ac" panose="020B0600000101010101" pitchFamily="50" charset="-127"/>
-              </a:endParaRPr>
-            </a:p>
-            <a:p>
-              <a:r>
-                <a:rPr lang="ko-KR" altLang="en-US" sz="2400" b="1" dirty="0">
-                  <a:latin typeface="나눔스퀘어_ac" panose="020B0600000101010101" pitchFamily="50" charset="-127"/>
-                  <a:ea typeface="나눔스퀘어_ac" panose="020B0600000101010101" pitchFamily="50" charset="-127"/>
-                </a:rPr>
-                <a:t>기본기능</a:t>
-              </a:r>
-              <a:endParaRPr lang="en-US" altLang="ko-KR" sz="2400" b="1" dirty="0">
-                <a:latin typeface="나눔스퀘어_ac" panose="020B0600000101010101" pitchFamily="50" charset="-127"/>
-                <a:ea typeface="나눔스퀘어_ac" panose="020B0600000101010101" pitchFamily="50" charset="-127"/>
-              </a:endParaRPr>
-            </a:p>
-            <a:p>
-              <a:pPr marL="457200" indent="-457200">
-                <a:buFontTx/>
-                <a:buChar char="-"/>
-              </a:pPr>
-              <a:r>
-                <a:rPr lang="ko-KR" altLang="en-US" sz="2400" dirty="0">
-                  <a:latin typeface="나눔스퀘어_ac" panose="020B0600000101010101" pitchFamily="50" charset="-127"/>
-                  <a:ea typeface="나눔스퀘어_ac" panose="020B0600000101010101" pitchFamily="50" charset="-127"/>
-                </a:rPr>
-                <a:t>바코드를 카메라로 읽어서 제품정보를 소리로 읽어준다</a:t>
-              </a:r>
-              <a:endParaRPr lang="en-US" altLang="ko-KR" sz="2400" dirty="0">
-                <a:latin typeface="나눔스퀘어_ac" panose="020B0600000101010101" pitchFamily="50" charset="-127"/>
-                <a:ea typeface="나눔스퀘어_ac" panose="020B0600000101010101" pitchFamily="50" charset="-127"/>
-              </a:endParaRPr>
-            </a:p>
-            <a:p>
-              <a:pPr marL="457200" indent="-457200">
-                <a:buFontTx/>
-                <a:buChar char="-"/>
-              </a:pPr>
-              <a:r>
-                <a:rPr lang="ko-KR" altLang="en-US" sz="2400" dirty="0">
-                  <a:latin typeface="나눔스퀘어_ac" panose="020B0600000101010101" pitchFamily="50" charset="-127"/>
-                  <a:ea typeface="나눔스퀘어_ac" panose="020B0600000101010101" pitchFamily="50" charset="-127"/>
-                </a:rPr>
-                <a:t>제품정보가 없다면 사용자가 제품정보를 직접 등록 할 수 있다</a:t>
-              </a:r>
-              <a:endParaRPr lang="en-US" altLang="ko-KR" sz="2400" dirty="0">
-                <a:latin typeface="나눔스퀘어_ac" panose="020B0600000101010101" pitchFamily="50" charset="-127"/>
-                <a:ea typeface="나눔스퀘어_ac" panose="020B0600000101010101" pitchFamily="50" charset="-127"/>
-              </a:endParaRPr>
-            </a:p>
-            <a:p>
-              <a:pPr marL="457200" indent="-457200">
-                <a:buFontTx/>
-                <a:buChar char="-"/>
-              </a:pPr>
-              <a:r>
-                <a:rPr lang="ko-KR" altLang="en-US" sz="2400" dirty="0">
-                  <a:latin typeface="나눔스퀘어_ac" panose="020B0600000101010101" pitchFamily="50" charset="-127"/>
-                  <a:ea typeface="나눔스퀘어_ac" panose="020B0600000101010101" pitchFamily="50" charset="-127"/>
-                </a:rPr>
-                <a:t>제품 정보가 잘못된 것 같아도 사용자가 직접 등록할 수 있다</a:t>
-              </a:r>
-              <a:endParaRPr lang="en-US" altLang="ko-KR" sz="2400" dirty="0">
-                <a:latin typeface="나눔스퀘어_ac" panose="020B0600000101010101" pitchFamily="50" charset="-127"/>
-                <a:ea typeface="나눔스퀘어_ac" panose="020B0600000101010101" pitchFamily="50" charset="-127"/>
-              </a:endParaRPr>
-            </a:p>
-            <a:p>
-              <a:endParaRPr lang="en-US" altLang="ko-KR" sz="2400" dirty="0">
-                <a:latin typeface="나눔스퀘어_ac" panose="020B0600000101010101" pitchFamily="50" charset="-127"/>
-                <a:ea typeface="나눔스퀘어_ac" panose="020B0600000101010101" pitchFamily="50" charset="-127"/>
-              </a:endParaRPr>
-            </a:p>
-            <a:p>
-              <a:r>
-                <a:rPr lang="ko-KR" altLang="en-US" sz="2400" b="1" dirty="0">
-                  <a:latin typeface="나눔스퀘어_ac" panose="020B0600000101010101" pitchFamily="50" charset="-127"/>
-                  <a:ea typeface="나눔스퀘어_ac" panose="020B0600000101010101" pitchFamily="50" charset="-127"/>
-                </a:rPr>
-                <a:t>추가기능</a:t>
-              </a:r>
-              <a:endParaRPr lang="en-US" altLang="ko-KR" sz="2400" b="1" dirty="0">
-                <a:latin typeface="나눔스퀘어_ac" panose="020B0600000101010101" pitchFamily="50" charset="-127"/>
-                <a:ea typeface="나눔스퀘어_ac" panose="020B0600000101010101" pitchFamily="50" charset="-127"/>
-              </a:endParaRPr>
-            </a:p>
-            <a:p>
-              <a:pPr marL="457200" indent="-457200">
-                <a:buFontTx/>
-                <a:buChar char="-"/>
-              </a:pPr>
-              <a:r>
-                <a:rPr lang="ko-KR" altLang="en-US" sz="2400" dirty="0">
-                  <a:latin typeface="나눔스퀘어_ac" panose="020B0600000101010101" pitchFamily="50" charset="-127"/>
-                  <a:ea typeface="나눔스퀘어_ac" panose="020B0600000101010101" pitchFamily="50" charset="-127"/>
-                </a:rPr>
-                <a:t>최근 바코드 조회기록을 소리로 읽어준다</a:t>
-              </a:r>
-              <a:endParaRPr lang="en-US" altLang="ko-KR" sz="2400" dirty="0">
-                <a:latin typeface="나눔스퀘어_ac" panose="020B0600000101010101" pitchFamily="50" charset="-127"/>
-                <a:ea typeface="나눔스퀘어_ac" panose="020B0600000101010101" pitchFamily="50" charset="-127"/>
-              </a:endParaRPr>
-            </a:p>
-            <a:p>
-              <a:pPr marL="457200" indent="-457200">
-                <a:buFontTx/>
-                <a:buChar char="-"/>
-              </a:pPr>
-              <a:r>
-                <a:rPr lang="ko-KR" altLang="en-US" sz="2400" dirty="0">
-                  <a:latin typeface="나눔스퀘어_ac" panose="020B0600000101010101" pitchFamily="50" charset="-127"/>
-                  <a:ea typeface="나눔스퀘어_ac" panose="020B0600000101010101" pitchFamily="50" charset="-127"/>
-                </a:rPr>
-                <a:t>최근 바코드 조회기록으로 올바른 정보인지 평가할 수 있다</a:t>
-              </a:r>
-              <a:endParaRPr lang="en-US" altLang="ko-KR" sz="2400" dirty="0">
-                <a:latin typeface="나눔스퀘어_ac" panose="020B0600000101010101" pitchFamily="50" charset="-127"/>
-                <a:ea typeface="나눔스퀘어_ac" panose="020B0600000101010101" pitchFamily="50" charset="-127"/>
-              </a:endParaRPr>
-            </a:p>
-            <a:p>
-              <a:pPr marL="457200" indent="-457200">
-                <a:buFontTx/>
-                <a:buChar char="-"/>
-              </a:pPr>
-              <a:r>
-                <a:rPr lang="ko-KR" altLang="en-US" sz="2400" dirty="0">
-                  <a:latin typeface="나눔스퀘어_ac" panose="020B0600000101010101" pitchFamily="50" charset="-127"/>
-                  <a:ea typeface="나눔스퀘어_ac" panose="020B0600000101010101" pitchFamily="50" charset="-127"/>
-                </a:rPr>
-                <a:t>로그인으로 사용자 정보를 저장 할 수 있다</a:t>
-              </a:r>
-              <a:endParaRPr lang="en-US" altLang="ko-KR" sz="2400" dirty="0">
-                <a:latin typeface="나눔스퀘어_ac" panose="020B0600000101010101" pitchFamily="50" charset="-127"/>
-                <a:ea typeface="나눔스퀘어_ac" panose="020B0600000101010101" pitchFamily="50" charset="-127"/>
-              </a:endParaRPr>
-            </a:p>
-          </p:txBody>
-        </p:sp>
-        <p:sp>
-          <p:nvSpPr>
-            <p:cNvPr id="119" name="TextBox 118">
-              <a:extLst>
-                <a:ext uri="{FF2B5EF4-FFF2-40B4-BE49-F238E27FC236}">
-                  <a16:creationId xmlns:a16="http://schemas.microsoft.com/office/drawing/2014/main" id="{F0FAA129-C577-4C25-8081-57DB4E9DEFFD}"/>
-                </a:ext>
-              </a:extLst>
-            </p:cNvPr>
-            <p:cNvSpPr txBox="1"/>
-            <p:nvPr/>
-          </p:nvSpPr>
-          <p:spPr>
-            <a:xfrm>
-              <a:off x="1352550" y="3909868"/>
-              <a:ext cx="745717" cy="461665"/>
-            </a:xfrm>
-            <a:prstGeom prst="rect">
-              <a:avLst/>
-            </a:prstGeom>
-            <a:solidFill>
-              <a:schemeClr val="bg1"/>
-            </a:solidFill>
-            <a:ln w="76200">
-              <a:solidFill>
-                <a:schemeClr val="bg1"/>
-              </a:solidFill>
-            </a:ln>
-          </p:spPr>
-          <p:txBody>
-            <a:bodyPr wrap="none" rtlCol="0">
-              <a:spAutoFit/>
-            </a:bodyPr>
-            <a:lstStyle/>
-            <a:p>
-              <a:r>
-                <a:rPr lang="ko-KR" altLang="en-US" sz="2400" b="1" dirty="0">
-                  <a:latin typeface="나눔스퀘어라운드 Bold" panose="020B0600000101010101" pitchFamily="50" charset="-127"/>
-                  <a:ea typeface="나눔스퀘어라운드 Bold" panose="020B0600000101010101" pitchFamily="50" charset="-127"/>
-                </a:rPr>
-                <a:t>기능</a:t>
-              </a:r>
-            </a:p>
-          </p:txBody>
-        </p:sp>
-      </p:grpSp>
-      <p:grpSp>
-        <p:nvGrpSpPr>
-          <p:cNvPr id="120" name="그룹 119">
-            <a:extLst>
-              <a:ext uri="{FF2B5EF4-FFF2-40B4-BE49-F238E27FC236}">
-                <a16:creationId xmlns:a16="http://schemas.microsoft.com/office/drawing/2014/main" id="{E8C8FED9-B8F1-47FA-AE4F-AFA44EE1BA09}"/>
-              </a:ext>
-            </a:extLst>
-          </p:cNvPr>
-          <p:cNvGrpSpPr/>
-          <p:nvPr/>
-        </p:nvGrpSpPr>
-        <p:grpSpPr>
-          <a:xfrm>
-            <a:off x="1324896" y="10230666"/>
+            <a:off x="1359377" y="9850144"/>
             <a:ext cx="5634554" cy="1061306"/>
             <a:chOff x="1295400" y="4086104"/>
             <a:chExt cx="5634554" cy="1061306"/>
@@ -9020,10 +8897,10 @@
         </p:nvGrpSpPr>
         <p:grpSpPr>
           <a:xfrm>
-            <a:off x="-341883" y="18889217"/>
-            <a:ext cx="8374889" cy="10542082"/>
-            <a:chOff x="-341883" y="18889217"/>
-            <a:chExt cx="8374889" cy="10542082"/>
+            <a:off x="-341883" y="18940171"/>
+            <a:ext cx="8374889" cy="10491128"/>
+            <a:chOff x="-341883" y="18940171"/>
+            <a:chExt cx="8374889" cy="10491128"/>
           </a:xfrm>
         </p:grpSpPr>
         <p:pic>
@@ -9079,9 +8956,9 @@
           </p:nvGrpSpPr>
           <p:grpSpPr>
             <a:xfrm>
-              <a:off x="-341883" y="18889217"/>
+              <a:off x="-341883" y="18940171"/>
               <a:ext cx="8374889" cy="8374889"/>
-              <a:chOff x="-341883" y="20686015"/>
+              <a:chOff x="-341883" y="20736969"/>
               <a:chExt cx="8374889" cy="8374889"/>
             </a:xfrm>
           </p:grpSpPr>
@@ -9116,7 +8993,7 @@
             </p:blipFill>
             <p:spPr>
               <a:xfrm>
-                <a:off x="-341883" y="20686015"/>
+                <a:off x="-341883" y="20736969"/>
                 <a:ext cx="8374889" cy="8374889"/>
               </a:xfrm>
               <a:prstGeom prst="rect">
@@ -9155,8 +9032,8 @@
             </p:blipFill>
             <p:spPr>
               <a:xfrm>
-                <a:off x="2850094" y="23664133"/>
-                <a:ext cx="1645263" cy="1645263"/>
+                <a:off x="3143141" y="23671609"/>
+                <a:ext cx="1404833" cy="1404833"/>
               </a:xfrm>
               <a:prstGeom prst="rect">
                 <a:avLst/>
@@ -9194,8 +9071,8 @@
             </p:blipFill>
             <p:spPr>
               <a:xfrm>
-                <a:off x="3022928" y="22040172"/>
-                <a:ext cx="1645263" cy="1645263"/>
+                <a:off x="3224938" y="21999519"/>
+                <a:ext cx="1341788" cy="1341788"/>
               </a:xfrm>
               <a:prstGeom prst="rect">
                 <a:avLst/>
@@ -9231,7 +9108,7 @@
             </p:blipFill>
             <p:spPr bwMode="auto">
               <a:xfrm>
-                <a:off x="2718922" y="25733254"/>
+                <a:off x="2768046" y="25617548"/>
                 <a:ext cx="2253274" cy="1691865"/>
               </a:xfrm>
               <a:prstGeom prst="rect">
@@ -9265,10 +9142,10 @@
         </p:nvGrpSpPr>
         <p:grpSpPr>
           <a:xfrm>
-            <a:off x="7280431" y="19178436"/>
-            <a:ext cx="8934332" cy="9429748"/>
+            <a:off x="7966639" y="19393122"/>
+            <a:ext cx="6902344" cy="9405977"/>
             <a:chOff x="7280431" y="19178436"/>
-            <a:chExt cx="8934332" cy="9429748"/>
+            <a:chExt cx="7356869" cy="9903198"/>
           </a:xfrm>
         </p:grpSpPr>
         <p:grpSp>
@@ -9286,9 +9163,9 @@
           <p:grpSpPr>
             <a:xfrm>
               <a:off x="7280431" y="19178436"/>
-              <a:ext cx="8934332" cy="9429748"/>
+              <a:ext cx="7356869" cy="9903198"/>
               <a:chOff x="1352550" y="3909868"/>
-              <a:chExt cx="8839200" cy="9429748"/>
+              <a:chExt cx="7278534" cy="9903198"/>
             </a:xfrm>
           </p:grpSpPr>
           <p:sp>
@@ -9306,7 +9183,7 @@
             <p:spPr>
               <a:xfrm>
                 <a:off x="1352550" y="4383318"/>
-                <a:ext cx="8839200" cy="8956298"/>
+                <a:ext cx="7278534" cy="9429748"/>
               </a:xfrm>
               <a:prstGeom prst="rect">
                 <a:avLst/>
@@ -9490,7 +9367,7 @@
             <p:spPr>
               <a:xfrm>
                 <a:off x="1352550" y="3909868"/>
-                <a:ext cx="854438" cy="461665"/>
+                <a:ext cx="854438" cy="461666"/>
               </a:xfrm>
               <a:prstGeom prst="rect">
                 <a:avLst/>
@@ -9542,9 +9419,9 @@
           <p:grpSpPr>
             <a:xfrm>
               <a:off x="8367149" y="25506943"/>
-              <a:ext cx="7513471" cy="2781774"/>
+              <a:ext cx="5534235" cy="2892012"/>
               <a:chOff x="8367149" y="25506943"/>
-              <a:chExt cx="7513471" cy="2781774"/>
+              <a:chExt cx="5534235" cy="2892012"/>
             </a:xfrm>
           </p:grpSpPr>
           <p:grpSp>
@@ -9562,9 +9439,9 @@
             <p:grpSpPr>
               <a:xfrm>
                 <a:off x="8367149" y="25506943"/>
-                <a:ext cx="7513471" cy="2781774"/>
+                <a:ext cx="5534235" cy="2892012"/>
                 <a:chOff x="1352550" y="3909868"/>
-                <a:chExt cx="7513471" cy="2781774"/>
+                <a:chExt cx="5534235" cy="2892012"/>
               </a:xfrm>
             </p:grpSpPr>
             <p:sp>
@@ -9581,8 +9458,8 @@
               </p:nvSpPr>
               <p:spPr>
                 <a:xfrm>
-                  <a:off x="1352550" y="4383318"/>
-                  <a:ext cx="7513471" cy="2308324"/>
+                  <a:off x="1352551" y="4371533"/>
+                  <a:ext cx="5534234" cy="2430347"/>
                 </a:xfrm>
                 <a:prstGeom prst="rect">
                   <a:avLst/>
@@ -9724,7 +9601,7 @@
             </p:blipFill>
             <p:spPr bwMode="auto">
               <a:xfrm>
-                <a:off x="9277406" y="26275687"/>
+                <a:off x="9018249" y="26331036"/>
                 <a:ext cx="1714500" cy="1714500"/>
               </a:xfrm>
               <a:prstGeom prst="rect">
@@ -9771,8 +9648,8 @@
             </p:blipFill>
             <p:spPr bwMode="auto">
               <a:xfrm>
-                <a:off x="11418330" y="26267605"/>
-                <a:ext cx="3238500" cy="1666875"/>
+                <a:off x="10817436" y="26474807"/>
+                <a:ext cx="2754870" cy="1417948"/>
               </a:xfrm>
               <a:prstGeom prst="rect">
                 <a:avLst/>
@@ -9805,9 +9682,9 @@
           <p:grpSpPr>
             <a:xfrm>
               <a:off x="8404923" y="20228179"/>
-              <a:ext cx="7513471" cy="4997765"/>
+              <a:ext cx="5973969" cy="5236930"/>
               <a:chOff x="8404923" y="20228179"/>
-              <a:chExt cx="7513471" cy="4997765"/>
+              <a:chExt cx="5973969" cy="5236930"/>
             </a:xfrm>
           </p:grpSpPr>
           <p:grpSp>
@@ -9825,9 +9702,9 @@
             <p:grpSpPr>
               <a:xfrm>
                 <a:off x="8404923" y="20228179"/>
-                <a:ext cx="7513471" cy="4997765"/>
+                <a:ext cx="5973969" cy="5236930"/>
                 <a:chOff x="1352550" y="3909868"/>
-                <a:chExt cx="7513471" cy="4997765"/>
+                <a:chExt cx="5973969" cy="5236930"/>
               </a:xfrm>
             </p:grpSpPr>
             <p:sp>
@@ -9844,8 +9721,8 @@
               </p:nvSpPr>
               <p:spPr>
                 <a:xfrm>
-                  <a:off x="1352550" y="4383318"/>
-                  <a:ext cx="7513471" cy="4524315"/>
+                  <a:off x="1352551" y="4383318"/>
+                  <a:ext cx="5973968" cy="4763480"/>
                 </a:xfrm>
                 <a:prstGeom prst="rect">
                   <a:avLst/>
@@ -9957,7 +9834,7 @@
               <p:spPr>
                 <a:xfrm>
                   <a:off x="1352550" y="3909868"/>
-                  <a:ext cx="760144" cy="461665"/>
+                  <a:ext cx="760144" cy="461664"/>
                 </a:xfrm>
                 <a:prstGeom prst="rect">
                   <a:avLst/>
@@ -10008,10 +9885,10 @@
             </p:nvGrpSpPr>
             <p:grpSpPr>
               <a:xfrm>
-                <a:off x="8500931" y="20803433"/>
-                <a:ext cx="6967571" cy="3889770"/>
-                <a:chOff x="8500931" y="20803433"/>
-                <a:chExt cx="6967571" cy="3889770"/>
+                <a:off x="8736871" y="20804813"/>
+                <a:ext cx="5271913" cy="4143306"/>
+                <a:chOff x="8736871" y="20804813"/>
+                <a:chExt cx="5271913" cy="4143306"/>
               </a:xfrm>
             </p:grpSpPr>
             <p:grpSp>
@@ -10028,10 +9905,10 @@
               </p:nvGrpSpPr>
               <p:grpSpPr>
                 <a:xfrm>
-                  <a:off x="8500931" y="20803433"/>
-                  <a:ext cx="6967571" cy="3889770"/>
-                  <a:chOff x="1352550" y="3909868"/>
-                  <a:chExt cx="6967571" cy="3889770"/>
+                  <a:off x="8736871" y="20804813"/>
+                  <a:ext cx="5271913" cy="4143306"/>
+                  <a:chOff x="1588490" y="3911248"/>
+                  <a:chExt cx="5271913" cy="4143306"/>
                 </a:xfrm>
               </p:grpSpPr>
               <p:sp>
@@ -10048,8 +9925,8 @@
                 </p:nvSpPr>
                 <p:spPr>
                   <a:xfrm>
-                    <a:off x="1352550" y="4383318"/>
-                    <a:ext cx="6967571" cy="3416320"/>
+                    <a:off x="1597493" y="4380854"/>
+                    <a:ext cx="5262910" cy="3673700"/>
                   </a:xfrm>
                   <a:prstGeom prst="rect">
                     <a:avLst/>
@@ -10142,8 +10019,8 @@
                 </p:nvSpPr>
                 <p:spPr>
                   <a:xfrm>
-                    <a:off x="1352550" y="3909868"/>
-                    <a:ext cx="1278042" cy="461665"/>
+                    <a:off x="1588490" y="3911248"/>
+                    <a:ext cx="1411219" cy="496446"/>
                   </a:xfrm>
                   <a:prstGeom prst="rect">
                     <a:avLst/>
@@ -10160,7 +10037,7 @@
                   </a:ln>
                 </p:spPr>
                 <p:txBody>
-                  <a:bodyPr wrap="none" rtlCol="0">
+                  <a:bodyPr wrap="square" rtlCol="0">
                     <a:spAutoFit/>
                   </a:bodyPr>
                   <a:lstStyle/>
@@ -10209,19 +10086,15 @@
               </p:blipFill>
               <p:spPr bwMode="auto">
                 <a:xfrm>
-                  <a:off x="8780597" y="21544637"/>
-                  <a:ext cx="4600431" cy="2813930"/>
+                  <a:off x="9538053" y="22351002"/>
+                  <a:ext cx="2097213" cy="1282795"/>
                 </a:xfrm>
                 <a:prstGeom prst="rect">
                   <a:avLst/>
                 </a:prstGeom>
                 <a:noFill/>
                 <a:ln w="76200">
-                  <a:solidFill>
-                    <a:schemeClr val="bg1">
-                      <a:lumMod val="75000"/>
-                    </a:schemeClr>
-                  </a:solidFill>
+                  <a:noFill/>
                 </a:ln>
                 <a:extLst>
                   <a:ext uri="{909E8E84-426E-40DD-AFC4-6F175D3DCCD1}">
@@ -10263,7 +10136,7 @@
               </p:blipFill>
               <p:spPr bwMode="auto">
                 <a:xfrm>
-                  <a:off x="13752945" y="21746934"/>
+                  <a:off x="12234704" y="21791520"/>
                   <a:ext cx="1278042" cy="1278042"/>
                 </a:xfrm>
                 <a:prstGeom prst="rect">
@@ -10295,8 +10168,8 @@
               </p:nvSpPr>
               <p:spPr>
                 <a:xfrm>
-                  <a:off x="13585145" y="23431839"/>
-                  <a:ext cx="1723549" cy="769441"/>
+                  <a:off x="12324185" y="23633797"/>
+                  <a:ext cx="1222090" cy="496446"/>
                 </a:xfrm>
                 <a:prstGeom prst="rect">
                   <a:avLst/>
@@ -10313,19 +10186,20 @@
                 </a:ln>
               </p:spPr>
               <p:txBody>
-                <a:bodyPr wrap="none" rtlCol="0">
+                <a:bodyPr wrap="square" rtlCol="0">
                   <a:spAutoFit/>
                 </a:bodyPr>
                 <a:lstStyle/>
                 <a:p>
+                  <a:pPr algn="ctr"/>
                   <a:r>
-                    <a:rPr lang="ko-KR" altLang="en-US" sz="4400" b="1">
+                    <a:rPr lang="ko-KR" altLang="en-US" sz="2400" b="1" dirty="0" err="1">
                       <a:latin typeface="나눔스퀘어라운드 Bold" panose="020B0600000101010101" pitchFamily="50" charset="-127"/>
                       <a:ea typeface="나눔스퀘어라운드 Bold" panose="020B0600000101010101" pitchFamily="50" charset="-127"/>
                     </a:rPr>
                     <a:t>크롤러</a:t>
                   </a:r>
-                  <a:endParaRPr lang="ko-KR" altLang="en-US" sz="4400" b="1" dirty="0">
+                  <a:endParaRPr lang="ko-KR" altLang="en-US" sz="2400" b="1" dirty="0">
                     <a:latin typeface="나눔스퀘어라운드 Bold" panose="020B0600000101010101" pitchFamily="50" charset="-127"/>
                     <a:ea typeface="나눔스퀘어라운드 Bold" panose="020B0600000101010101" pitchFamily="50" charset="-127"/>
                   </a:endParaRPr>
@@ -10349,10 +10223,10 @@
         </p:nvGrpSpPr>
         <p:grpSpPr>
           <a:xfrm>
-            <a:off x="6627140" y="20034413"/>
-            <a:ext cx="1341787" cy="7971413"/>
-            <a:chOff x="6326300" y="20034413"/>
-            <a:chExt cx="1341787" cy="7971413"/>
+            <a:off x="7329730" y="20044940"/>
+            <a:ext cx="1247781" cy="7909858"/>
+            <a:chOff x="6343916" y="19814872"/>
+            <a:chExt cx="1341787" cy="8505777"/>
           </a:xfrm>
         </p:grpSpPr>
         <p:sp>
@@ -10369,8 +10243,8 @@
           </p:nvSpPr>
           <p:spPr>
             <a:xfrm>
-              <a:off x="6326300" y="20034413"/>
-              <a:ext cx="1341787" cy="7971413"/>
+              <a:off x="6343916" y="19814872"/>
+              <a:ext cx="1341787" cy="8505777"/>
             </a:xfrm>
             <a:prstGeom prst="rect">
               <a:avLst/>
@@ -10452,7 +10326,7 @@
             <a:p>
               <a:pPr algn="ctr"/>
               <a:r>
-                <a:rPr lang="en-US" altLang="ko-KR" sz="3200" b="1" dirty="0">
+                <a:rPr lang="en-US" altLang="ko-KR" sz="3000" b="1" dirty="0">
                   <a:latin typeface="나눔스퀘어_ac" panose="020B0600000101010101" pitchFamily="50" charset="-127"/>
                   <a:ea typeface="나눔스퀘어_ac" panose="020B0600000101010101" pitchFamily="50" charset="-127"/>
                 </a:rPr>
@@ -10572,8 +10446,8 @@
         </p:nvGrpSpPr>
         <p:grpSpPr>
           <a:xfrm>
-            <a:off x="16635209" y="19091925"/>
-            <a:ext cx="3068636" cy="9429748"/>
+            <a:off x="16604775" y="19237667"/>
+            <a:ext cx="2965091" cy="9111557"/>
             <a:chOff x="16635209" y="19091925"/>
             <a:chExt cx="3068636" cy="9429748"/>
           </a:xfrm>
@@ -10865,7 +10739,7 @@
           </p:blipFill>
           <p:spPr>
             <a:xfrm>
-              <a:off x="17253804" y="26302268"/>
+              <a:off x="17346894" y="26288570"/>
               <a:ext cx="1645263" cy="1645263"/>
             </a:xfrm>
             <a:prstGeom prst="rect">
@@ -10904,7 +10778,7 @@
           </p:blipFill>
           <p:spPr>
             <a:xfrm>
-              <a:off x="17253803" y="21563323"/>
+              <a:off x="17258714" y="21659416"/>
               <a:ext cx="1645263" cy="1645263"/>
             </a:xfrm>
             <a:prstGeom prst="rect">
@@ -10943,7 +10817,7 @@
           </p:blipFill>
           <p:spPr>
             <a:xfrm>
-              <a:off x="17253804" y="23378648"/>
+              <a:off x="17286942" y="23828217"/>
               <a:ext cx="1645263" cy="1645263"/>
             </a:xfrm>
             <a:prstGeom prst="rect">
@@ -11008,8 +10882,8 @@
         </p:nvCxnSpPr>
         <p:spPr>
           <a:xfrm>
-            <a:off x="15030987" y="22385955"/>
-            <a:ext cx="2222816" cy="0"/>
+            <a:off x="13813907" y="22481944"/>
+            <a:ext cx="3393334" cy="31451"/>
           </a:xfrm>
           <a:prstGeom prst="straightConnector1">
             <a:avLst/>
@@ -11044,6 +10918,7 @@
             </a:extLst>
           </p:cNvPr>
           <p:cNvCxnSpPr>
+            <a:cxnSpLocks/>
             <a:stCxn id="146" idx="3"/>
             <a:endCxn id="151" idx="1"/>
           </p:cNvCxnSpPr>
@@ -11051,8 +10926,8 @@
         </p:nvCxnSpPr>
         <p:spPr>
           <a:xfrm>
-            <a:off x="15308694" y="23816560"/>
-            <a:ext cx="1945110" cy="384720"/>
+            <a:off x="13845363" y="23860547"/>
+            <a:ext cx="3389154" cy="748467"/>
           </a:xfrm>
           <a:prstGeom prst="bentConnector3">
             <a:avLst/>
@@ -11087,14 +10962,15 @@
             </a:extLst>
           </p:cNvPr>
           <p:cNvCxnSpPr>
+            <a:cxnSpLocks/>
             <a:endCxn id="101" idx="2"/>
           </p:cNvCxnSpPr>
           <p:nvPr/>
         </p:nvCxnSpPr>
         <p:spPr>
-          <a:xfrm flipH="1">
-            <a:off x="3845562" y="25506943"/>
-            <a:ext cx="2538" cy="1757163"/>
+          <a:xfrm>
+            <a:off x="3845562" y="26174468"/>
+            <a:ext cx="0" cy="1140592"/>
           </a:xfrm>
           <a:prstGeom prst="straightConnector1">
             <a:avLst/>
@@ -11122,33 +10998,467 @@
           </a:fontRef>
         </p:style>
       </p:cxnSp>
+      <p:pic>
+        <p:nvPicPr>
+          <p:cNvPr id="12" name="Picture 2" descr="신구대학교 메인 (170)">
+            <a:extLst>
+              <a:ext uri="{FF2B5EF4-FFF2-40B4-BE49-F238E27FC236}">
+                <a16:creationId xmlns:a16="http://schemas.microsoft.com/office/drawing/2014/main" id="{5E1D125D-C5C4-4C05-B402-583B0239BA0E}"/>
+              </a:ext>
+            </a:extLst>
+          </p:cNvPr>
+          <p:cNvPicPr>
+            <a:picLocks noChangeAspect="1" noChangeArrowheads="1"/>
+          </p:cNvPicPr>
+          <p:nvPr/>
+        </p:nvPicPr>
+        <p:blipFill>
+          <a:blip r:embed="rId45">
+            <a:alphaModFix amt="50000"/>
+            <a:extLst>
+              <a:ext uri="{28A0092B-C50C-407E-A947-70E740481C1C}">
+                <a14:useLocalDpi xmlns:a14="http://schemas.microsoft.com/office/drawing/2010/main" val="0"/>
+              </a:ext>
+            </a:extLst>
+          </a:blip>
+          <a:srcRect/>
+          <a:stretch>
+            <a:fillRect/>
+          </a:stretch>
+        </p:blipFill>
+        <p:spPr bwMode="auto">
+          <a:xfrm>
+            <a:off x="15997294" y="279880"/>
+            <a:ext cx="1510956" cy="1510956"/>
+          </a:xfrm>
+          <a:prstGeom prst="ellipse">
+            <a:avLst/>
+          </a:prstGeom>
+          <a:ln w="63500" cap="rnd">
+            <a:noFill/>
+          </a:ln>
+          <a:effectLst/>
+          <a:extLst>
+            <a:ext uri="{909E8E84-426E-40DD-AFC4-6F175D3DCCD1}">
+              <a14:hiddenFill xmlns:a14="http://schemas.microsoft.com/office/drawing/2010/main">
+                <a:solidFill>
+                  <a:srgbClr val="FFFFFF"/>
+                </a:solidFill>
+              </a14:hiddenFill>
+            </a:ext>
+          </a:extLst>
+        </p:spPr>
+      </p:pic>
+      <p:sp>
+        <p:nvSpPr>
+          <p:cNvPr id="39" name="TextBox 38">
+            <a:extLst>
+              <a:ext uri="{FF2B5EF4-FFF2-40B4-BE49-F238E27FC236}">
+                <a16:creationId xmlns:a16="http://schemas.microsoft.com/office/drawing/2014/main" id="{BF9FA294-51DD-49A6-809A-3BA08D8608E6}"/>
+              </a:ext>
+            </a:extLst>
+          </p:cNvPr>
+          <p:cNvSpPr txBox="1"/>
+          <p:nvPr/>
+        </p:nvSpPr>
+        <p:spPr>
+          <a:xfrm>
+            <a:off x="3433005" y="21339571"/>
+            <a:ext cx="757995" cy="369332"/>
+          </a:xfrm>
+          <a:prstGeom prst="rect">
+            <a:avLst/>
+          </a:prstGeom>
+          <a:noFill/>
+        </p:spPr>
+        <p:txBody>
+          <a:bodyPr wrap="square" rtlCol="0">
+            <a:spAutoFit/>
+          </a:bodyPr>
+          <a:lstStyle/>
+          <a:p>
+            <a:pPr algn="ctr"/>
+            <a:r>
+              <a:rPr lang="en-US" altLang="ko-KR" dirty="0">
+                <a:latin typeface="나눔스퀘어_ac" panose="020B0600000101010101" pitchFamily="50" charset="-127"/>
+                <a:ea typeface="나눔스퀘어_ac" panose="020B0600000101010101" pitchFamily="50" charset="-127"/>
+              </a:rPr>
+              <a:t>TTS</a:t>
+            </a:r>
+            <a:endParaRPr lang="ko-KR" altLang="en-US" dirty="0">
+              <a:latin typeface="나눔스퀘어_ac" panose="020B0600000101010101" pitchFamily="50" charset="-127"/>
+              <a:ea typeface="나눔스퀘어_ac" panose="020B0600000101010101" pitchFamily="50" charset="-127"/>
+            </a:endParaRPr>
+          </a:p>
+        </p:txBody>
+      </p:sp>
+      <p:sp>
+        <p:nvSpPr>
+          <p:cNvPr id="154" name="TextBox 153">
+            <a:extLst>
+              <a:ext uri="{FF2B5EF4-FFF2-40B4-BE49-F238E27FC236}">
+                <a16:creationId xmlns:a16="http://schemas.microsoft.com/office/drawing/2014/main" id="{E7D9CC26-E29C-47AA-BD4C-444CBF75C44D}"/>
+              </a:ext>
+            </a:extLst>
+          </p:cNvPr>
+          <p:cNvSpPr txBox="1"/>
+          <p:nvPr/>
+        </p:nvSpPr>
+        <p:spPr>
+          <a:xfrm>
+            <a:off x="3358635" y="23270246"/>
+            <a:ext cx="1042046" cy="369332"/>
+          </a:xfrm>
+          <a:prstGeom prst="rect">
+            <a:avLst/>
+          </a:prstGeom>
+          <a:noFill/>
+        </p:spPr>
+        <p:txBody>
+          <a:bodyPr wrap="square" rtlCol="0">
+            <a:spAutoFit/>
+          </a:bodyPr>
+          <a:lstStyle/>
+          <a:p>
+            <a:pPr algn="ctr"/>
+            <a:r>
+              <a:rPr lang="en-US" altLang="ko-KR" dirty="0">
+                <a:latin typeface="나눔스퀘어_ac" panose="020B0600000101010101" pitchFamily="50" charset="-127"/>
+                <a:ea typeface="나눔스퀘어_ac" panose="020B0600000101010101" pitchFamily="50" charset="-127"/>
+              </a:rPr>
+              <a:t>Server</a:t>
+            </a:r>
+            <a:endParaRPr lang="ko-KR" altLang="en-US" dirty="0">
+              <a:latin typeface="나눔스퀘어_ac" panose="020B0600000101010101" pitchFamily="50" charset="-127"/>
+              <a:ea typeface="나눔스퀘어_ac" panose="020B0600000101010101" pitchFamily="50" charset="-127"/>
+            </a:endParaRPr>
+          </a:p>
+        </p:txBody>
+      </p:sp>
+      <p:sp>
+        <p:nvSpPr>
+          <p:cNvPr id="155" name="TextBox 154">
+            <a:extLst>
+              <a:ext uri="{FF2B5EF4-FFF2-40B4-BE49-F238E27FC236}">
+                <a16:creationId xmlns:a16="http://schemas.microsoft.com/office/drawing/2014/main" id="{EFBE97AF-000C-433A-8A22-0251B1B83FCE}"/>
+              </a:ext>
+            </a:extLst>
+          </p:cNvPr>
+          <p:cNvSpPr txBox="1"/>
+          <p:nvPr/>
+        </p:nvSpPr>
+        <p:spPr>
+          <a:xfrm>
+            <a:off x="3289210" y="25461089"/>
+            <a:ext cx="1042046" cy="369332"/>
+          </a:xfrm>
+          <a:prstGeom prst="rect">
+            <a:avLst/>
+          </a:prstGeom>
+          <a:noFill/>
+        </p:spPr>
+        <p:txBody>
+          <a:bodyPr wrap="square" rtlCol="0">
+            <a:spAutoFit/>
+          </a:bodyPr>
+          <a:lstStyle/>
+          <a:p>
+            <a:pPr algn="ctr"/>
+            <a:r>
+              <a:rPr lang="en-US" altLang="ko-KR" dirty="0" err="1">
+                <a:latin typeface="나눔스퀘어_ac" panose="020B0600000101010101" pitchFamily="50" charset="-127"/>
+                <a:ea typeface="나눔스퀘어_ac" panose="020B0600000101010101" pitchFamily="50" charset="-127"/>
+              </a:rPr>
+              <a:t>Zxing</a:t>
+            </a:r>
+            <a:endParaRPr lang="ko-KR" altLang="en-US" dirty="0">
+              <a:latin typeface="나눔스퀘어_ac" panose="020B0600000101010101" pitchFamily="50" charset="-127"/>
+              <a:ea typeface="나눔스퀘어_ac" panose="020B0600000101010101" pitchFamily="50" charset="-127"/>
+            </a:endParaRPr>
+          </a:p>
+        </p:txBody>
+      </p:sp>
+      <p:sp>
+        <p:nvSpPr>
+          <p:cNvPr id="51" name="직사각형 50">
+            <a:extLst>
+              <a:ext uri="{FF2B5EF4-FFF2-40B4-BE49-F238E27FC236}">
+                <a16:creationId xmlns:a16="http://schemas.microsoft.com/office/drawing/2014/main" id="{CFAF760F-5BA0-42E0-A172-6ED4A9431DA5}"/>
+              </a:ext>
+            </a:extLst>
+          </p:cNvPr>
+          <p:cNvSpPr/>
+          <p:nvPr/>
+        </p:nvSpPr>
+        <p:spPr>
+          <a:xfrm>
+            <a:off x="9621306" y="21939978"/>
+            <a:ext cx="2763479" cy="1968673"/>
+          </a:xfrm>
+          <a:prstGeom prst="rect">
+            <a:avLst/>
+          </a:prstGeom>
+          <a:noFill/>
+          <a:ln w="76200">
+            <a:solidFill>
+              <a:srgbClr val="BFBFBF"/>
+            </a:solidFill>
+          </a:ln>
+        </p:spPr>
+        <p:style>
+          <a:lnRef idx="2">
+            <a:schemeClr val="accent1">
+              <a:shade val="50000"/>
+            </a:schemeClr>
+          </a:lnRef>
+          <a:fillRef idx="1">
+            <a:schemeClr val="accent1"/>
+          </a:fillRef>
+          <a:effectRef idx="0">
+            <a:schemeClr val="accent1"/>
+          </a:effectRef>
+          <a:fontRef idx="minor">
+            <a:schemeClr val="lt1"/>
+          </a:fontRef>
+        </p:style>
+        <p:txBody>
+          <a:bodyPr rtlCol="0" anchor="ctr"/>
+          <a:lstStyle/>
+          <a:p>
+            <a:pPr algn="ctr"/>
+            <a:endParaRPr lang="ko-KR" altLang="en-US"/>
+          </a:p>
+        </p:txBody>
+      </p:sp>
+      <p:grpSp>
+        <p:nvGrpSpPr>
+          <p:cNvPr id="156" name="그룹 155">
+            <a:extLst>
+              <a:ext uri="{FF2B5EF4-FFF2-40B4-BE49-F238E27FC236}">
+                <a16:creationId xmlns:a16="http://schemas.microsoft.com/office/drawing/2014/main" id="{048D0CCC-FE96-4654-A8A2-673D5A6ADD60}"/>
+              </a:ext>
+            </a:extLst>
+          </p:cNvPr>
+          <p:cNvGrpSpPr/>
+          <p:nvPr/>
+        </p:nvGrpSpPr>
+        <p:grpSpPr>
+          <a:xfrm>
+            <a:off x="11202241" y="16440720"/>
+            <a:ext cx="5634554" cy="1061306"/>
+            <a:chOff x="1295400" y="4086104"/>
+            <a:chExt cx="5634554" cy="1061306"/>
+          </a:xfrm>
+        </p:grpSpPr>
+        <p:sp>
+          <p:nvSpPr>
+            <p:cNvPr id="157" name="TextBox 156">
+              <a:extLst>
+                <a:ext uri="{FF2B5EF4-FFF2-40B4-BE49-F238E27FC236}">
+                  <a16:creationId xmlns:a16="http://schemas.microsoft.com/office/drawing/2014/main" id="{FD2928D4-29A7-4599-B3A4-0F2ABE033830}"/>
+                </a:ext>
+              </a:extLst>
+            </p:cNvPr>
+            <p:cNvSpPr txBox="1"/>
+            <p:nvPr/>
+          </p:nvSpPr>
+          <p:spPr>
+            <a:xfrm>
+              <a:off x="1328902" y="4149735"/>
+              <a:ext cx="2704587" cy="923330"/>
+            </a:xfrm>
+            <a:prstGeom prst="rect">
+              <a:avLst/>
+            </a:prstGeom>
+            <a:noFill/>
+          </p:spPr>
+          <p:txBody>
+            <a:bodyPr wrap="none" rtlCol="0">
+              <a:spAutoFit/>
+            </a:bodyPr>
+            <a:lstStyle/>
+            <a:p>
+              <a:r>
+                <a:rPr lang="ko-KR" altLang="en-US" sz="5400" dirty="0">
+                  <a:latin typeface="나눔스퀘어라운드 Bold" panose="020B0600000101010101" pitchFamily="50" charset="-127"/>
+                  <a:ea typeface="나눔스퀘어라운드 Bold" panose="020B0600000101010101" pitchFamily="50" charset="-127"/>
+                </a:rPr>
+                <a:t>수상내역</a:t>
+              </a:r>
+            </a:p>
+          </p:txBody>
+        </p:sp>
+        <p:cxnSp>
+          <p:nvCxnSpPr>
+            <p:cNvPr id="158" name="직선 연결선 157">
+              <a:extLst>
+                <a:ext uri="{FF2B5EF4-FFF2-40B4-BE49-F238E27FC236}">
+                  <a16:creationId xmlns:a16="http://schemas.microsoft.com/office/drawing/2014/main" id="{A37C2649-369D-497B-B691-83FE60AA4884}"/>
+                </a:ext>
+              </a:extLst>
+            </p:cNvPr>
+            <p:cNvCxnSpPr>
+              <a:cxnSpLocks/>
+            </p:cNvCxnSpPr>
+            <p:nvPr/>
+          </p:nvCxnSpPr>
+          <p:spPr>
+            <a:xfrm flipV="1">
+              <a:off x="1328902" y="4086104"/>
+              <a:ext cx="5601052" cy="1"/>
+            </a:xfrm>
+            <a:prstGeom prst="line">
+              <a:avLst/>
+            </a:prstGeom>
+            <a:ln w="76200" cap="sq">
+              <a:solidFill>
+                <a:srgbClr val="0070C0"/>
+              </a:solidFill>
+            </a:ln>
+          </p:spPr>
+          <p:style>
+            <a:lnRef idx="1">
+              <a:schemeClr val="accent1"/>
+            </a:lnRef>
+            <a:fillRef idx="0">
+              <a:schemeClr val="accent1"/>
+            </a:fillRef>
+            <a:effectRef idx="0">
+              <a:schemeClr val="accent1"/>
+            </a:effectRef>
+            <a:fontRef idx="minor">
+              <a:schemeClr val="tx1"/>
+            </a:fontRef>
+          </p:style>
+        </p:cxnSp>
+        <p:cxnSp>
+          <p:nvCxnSpPr>
+            <p:cNvPr id="159" name="직선 연결선 158">
+              <a:extLst>
+                <a:ext uri="{FF2B5EF4-FFF2-40B4-BE49-F238E27FC236}">
+                  <a16:creationId xmlns:a16="http://schemas.microsoft.com/office/drawing/2014/main" id="{6CEC67C7-8CE0-42EE-98DE-D9136811F43F}"/>
+                </a:ext>
+              </a:extLst>
+            </p:cNvPr>
+            <p:cNvCxnSpPr>
+              <a:cxnSpLocks/>
+            </p:cNvCxnSpPr>
+            <p:nvPr/>
+          </p:nvCxnSpPr>
+          <p:spPr>
+            <a:xfrm>
+              <a:off x="1295400" y="4086105"/>
+              <a:ext cx="0" cy="1061305"/>
+            </a:xfrm>
+            <a:prstGeom prst="line">
+              <a:avLst/>
+            </a:prstGeom>
+            <a:ln w="76200" cap="sq">
+              <a:solidFill>
+                <a:srgbClr val="FFC000"/>
+              </a:solidFill>
+            </a:ln>
+          </p:spPr>
+          <p:style>
+            <a:lnRef idx="1">
+              <a:schemeClr val="accent1"/>
+            </a:lnRef>
+            <a:fillRef idx="0">
+              <a:schemeClr val="accent1"/>
+            </a:fillRef>
+            <a:effectRef idx="0">
+              <a:schemeClr val="accent1"/>
+            </a:effectRef>
+            <a:fontRef idx="minor">
+              <a:schemeClr val="tx1"/>
+            </a:fontRef>
+          </p:style>
+        </p:cxnSp>
+      </p:grpSp>
+      <p:sp>
+        <p:nvSpPr>
+          <p:cNvPr id="165" name="TextBox 164">
+            <a:extLst>
+              <a:ext uri="{FF2B5EF4-FFF2-40B4-BE49-F238E27FC236}">
+                <a16:creationId xmlns:a16="http://schemas.microsoft.com/office/drawing/2014/main" id="{1699D46E-9C57-4CD3-8F68-962AF26AD69A}"/>
+              </a:ext>
+            </a:extLst>
+          </p:cNvPr>
+          <p:cNvSpPr txBox="1"/>
+          <p:nvPr/>
+        </p:nvSpPr>
+        <p:spPr>
+          <a:xfrm>
+            <a:off x="11202241" y="17636274"/>
+            <a:ext cx="8839200" cy="461665"/>
+          </a:xfrm>
+          <a:prstGeom prst="rect">
+            <a:avLst/>
+          </a:prstGeom>
+          <a:solidFill>
+            <a:schemeClr val="bg1">
+              <a:alpha val="50000"/>
+            </a:schemeClr>
+          </a:solidFill>
+          <a:ln w="76200">
+            <a:solidFill>
+              <a:schemeClr val="bg1"/>
+            </a:solidFill>
+          </a:ln>
+        </p:spPr>
+        <p:txBody>
+          <a:bodyPr wrap="square" rtlCol="0">
+            <a:spAutoFit/>
+          </a:bodyPr>
+          <a:lstStyle/>
+          <a:p>
+            <a:r>
+              <a:rPr lang="ko-KR" altLang="en-US" sz="2400" dirty="0">
+                <a:latin typeface="나눔스퀘어_ac" panose="020B0600000101010101" pitchFamily="50" charset="-127"/>
+                <a:ea typeface="나눔스퀘어_ac" panose="020B0600000101010101" pitchFamily="50" charset="-127"/>
+              </a:rPr>
+              <a:t>신구대학교 </a:t>
+            </a:r>
+            <a:r>
+              <a:rPr lang="en-US" altLang="ko-KR" sz="2400" dirty="0">
+                <a:latin typeface="나눔스퀘어_ac" panose="020B0600000101010101" pitchFamily="50" charset="-127"/>
+                <a:ea typeface="나눔스퀘어_ac" panose="020B0600000101010101" pitchFamily="50" charset="-127"/>
+              </a:rPr>
+              <a:t>2021 </a:t>
+            </a:r>
+            <a:r>
+              <a:rPr lang="ko-KR" altLang="en-US" sz="2400" dirty="0">
+                <a:latin typeface="나눔스퀘어_ac" panose="020B0600000101010101" pitchFamily="50" charset="-127"/>
+                <a:ea typeface="나눔스퀘어_ac" panose="020B0600000101010101" pitchFamily="50" charset="-127"/>
+              </a:rPr>
+              <a:t>창업경진대회 우수상</a:t>
+            </a:r>
+          </a:p>
+        </p:txBody>
+      </p:sp>
       <p:cxnSp>
         <p:nvCxnSpPr>
-          <p:cNvPr id="11" name="연결선: 꺾임 10">
-            <a:extLst>
-              <a:ext uri="{FF2B5EF4-FFF2-40B4-BE49-F238E27FC236}">
-                <a16:creationId xmlns:a16="http://schemas.microsoft.com/office/drawing/2014/main" id="{B6408179-A0C2-4441-8C0C-6BC4F421CB7A}"/>
+          <p:cNvPr id="169" name="직선 화살표 연결선 168">
+            <a:extLst>
+              <a:ext uri="{FF2B5EF4-FFF2-40B4-BE49-F238E27FC236}">
+                <a16:creationId xmlns:a16="http://schemas.microsoft.com/office/drawing/2014/main" id="{FB347F91-A3DC-41F2-9298-8F9F7BCFD2C7}"/>
               </a:ext>
             </a:extLst>
           </p:cNvPr>
           <p:cNvCxnSpPr>
-            <a:stCxn id="56" idx="3"/>
-            <a:endCxn id="127" idx="1"/>
+            <a:cxnSpLocks/>
           </p:cNvCxnSpPr>
           <p:nvPr/>
         </p:nvCxnSpPr>
         <p:spPr>
           <a:xfrm>
-            <a:off x="4495357" y="22689967"/>
-            <a:ext cx="2171706" cy="1246489"/>
+            <a:off x="4810017" y="22653386"/>
+            <a:ext cx="2467177" cy="0"/>
           </a:xfrm>
-          <a:prstGeom prst="bentConnector3">
+          <a:prstGeom prst="straightConnector1">
             <a:avLst/>
           </a:prstGeom>
           <a:ln w="76200">
-            <a:solidFill>
-              <a:schemeClr val="accent2"/>
-            </a:solidFill>
             <a:headEnd type="triangle"/>
             <a:tailEnd type="triangle"/>
           </a:ln>
@@ -11168,54 +11478,93 @@
           </a:fontRef>
         </p:style>
       </p:cxnSp>
-      <p:pic>
-        <p:nvPicPr>
-          <p:cNvPr id="12" name="Picture 2" descr="신구대학교 메인 (170)">
-            <a:extLst>
-              <a:ext uri="{FF2B5EF4-FFF2-40B4-BE49-F238E27FC236}">
-                <a16:creationId xmlns:a16="http://schemas.microsoft.com/office/drawing/2014/main" id="{5E1D125D-C5C4-4C05-B402-583B0239BA0E}"/>
-              </a:ext>
-            </a:extLst>
-          </p:cNvPr>
-          <p:cNvPicPr>
-            <a:picLocks noChangeAspect="1" noChangeArrowheads="1"/>
-          </p:cNvPicPr>
+      <p:sp>
+        <p:nvSpPr>
+          <p:cNvPr id="168" name="TextBox 167">
+            <a:extLst>
+              <a:ext uri="{FF2B5EF4-FFF2-40B4-BE49-F238E27FC236}">
+                <a16:creationId xmlns:a16="http://schemas.microsoft.com/office/drawing/2014/main" id="{879C3FEA-EF17-4B68-BC70-DF20F1EF2252}"/>
+              </a:ext>
+            </a:extLst>
+          </p:cNvPr>
+          <p:cNvSpPr txBox="1"/>
           <p:nvPr/>
-        </p:nvPicPr>
-        <p:blipFill>
-          <a:blip r:embed="rId45">
-            <a:alphaModFix amt="50000"/>
-            <a:extLst>
-              <a:ext uri="{28A0092B-C50C-407E-A947-70E740481C1C}">
-                <a14:useLocalDpi xmlns:a14="http://schemas.microsoft.com/office/drawing/2010/main" val="0"/>
-              </a:ext>
-            </a:extLst>
-          </a:blip>
-          <a:srcRect/>
-          <a:stretch>
-            <a:fillRect/>
-          </a:stretch>
-        </p:blipFill>
-        <p:spPr bwMode="auto">
+        </p:nvSpPr>
+        <p:spPr>
           <a:xfrm>
-            <a:off x="16275752" y="476845"/>
-            <a:ext cx="1510956" cy="1510956"/>
+            <a:off x="17579959" y="23415026"/>
+            <a:ext cx="1035619" cy="369332"/>
           </a:xfrm>
           <a:prstGeom prst="rect">
             <a:avLst/>
           </a:prstGeom>
           <a:noFill/>
-          <a:extLst>
-            <a:ext uri="{909E8E84-426E-40DD-AFC4-6F175D3DCCD1}">
-              <a14:hiddenFill xmlns:a14="http://schemas.microsoft.com/office/drawing/2010/main">
-                <a:solidFill>
-                  <a:srgbClr val="FFFFFF"/>
-                </a:solidFill>
-              </a14:hiddenFill>
-            </a:ext>
-          </a:extLst>
         </p:spPr>
-      </p:pic>
+        <p:txBody>
+          <a:bodyPr wrap="square" rtlCol="0">
+            <a:spAutoFit/>
+          </a:bodyPr>
+          <a:lstStyle/>
+          <a:p>
+            <a:r>
+              <a:rPr lang="ko-KR" altLang="en-US" dirty="0">
+                <a:latin typeface="나눔스퀘어_ac" panose="020B0600000101010101" pitchFamily="50" charset="-127"/>
+                <a:ea typeface="나눔스퀘어_ac" panose="020B0600000101010101" pitchFamily="50" charset="-127"/>
+              </a:rPr>
+              <a:t>외부 </a:t>
+            </a:r>
+            <a:r>
+              <a:rPr lang="en-US" altLang="ko-KR" dirty="0">
+                <a:latin typeface="나눔스퀘어_ac" panose="020B0600000101010101" pitchFamily="50" charset="-127"/>
+                <a:ea typeface="나눔스퀘어_ac" panose="020B0600000101010101" pitchFamily="50" charset="-127"/>
+              </a:rPr>
+              <a:t>DB</a:t>
+            </a:r>
+            <a:endParaRPr lang="ko-KR" altLang="en-US" dirty="0">
+              <a:latin typeface="나눔스퀘어_ac" panose="020B0600000101010101" pitchFamily="50" charset="-127"/>
+              <a:ea typeface="나눔스퀘어_ac" panose="020B0600000101010101" pitchFamily="50" charset="-127"/>
+            </a:endParaRPr>
+          </a:p>
+        </p:txBody>
+      </p:sp>
+      <p:sp>
+        <p:nvSpPr>
+          <p:cNvPr id="176" name="TextBox 175">
+            <a:extLst>
+              <a:ext uri="{FF2B5EF4-FFF2-40B4-BE49-F238E27FC236}">
+                <a16:creationId xmlns:a16="http://schemas.microsoft.com/office/drawing/2014/main" id="{A6493612-45B5-4AD3-9B4A-26AA0721AB31}"/>
+              </a:ext>
+            </a:extLst>
+          </p:cNvPr>
+          <p:cNvSpPr txBox="1"/>
+          <p:nvPr/>
+        </p:nvSpPr>
+        <p:spPr>
+          <a:xfrm>
+            <a:off x="17508250" y="25426536"/>
+            <a:ext cx="1302234" cy="369332"/>
+          </a:xfrm>
+          <a:prstGeom prst="rect">
+            <a:avLst/>
+          </a:prstGeom>
+          <a:noFill/>
+        </p:spPr>
+        <p:txBody>
+          <a:bodyPr wrap="square" rtlCol="0">
+            <a:spAutoFit/>
+          </a:bodyPr>
+          <a:lstStyle/>
+          <a:p>
+            <a:r>
+              <a:rPr lang="ko-KR" altLang="en-US" dirty="0">
+                <a:latin typeface="나눔스퀘어_ac" panose="020B0600000101010101" pitchFamily="50" charset="-127"/>
+                <a:ea typeface="나눔스퀘어_ac" panose="020B0600000101010101" pitchFamily="50" charset="-127"/>
+              </a:rPr>
+              <a:t>인터넷 검색</a:t>
+            </a:r>
+          </a:p>
+        </p:txBody>
+      </p:sp>
     </p:spTree>
     <p:extLst>
       <p:ext uri="{BB962C8B-B14F-4D97-AF65-F5344CB8AC3E}">
